--- a/aulas/t/old/SCO-T1-A03-A04.pptx
+++ b/aulas/t/old/SCO-T1-A03-A04.pptx
@@ -5,10 +5,10 @@
     <p:sldMasterId id="2147483648" r:id="rId1"/>
   </p:sldMasterIdLst>
   <p:notesMasterIdLst>
-    <p:notesMasterId r:id="rId20"/>
+    <p:notesMasterId r:id="rId22"/>
   </p:notesMasterIdLst>
   <p:handoutMasterIdLst>
-    <p:handoutMasterId r:id="rId21"/>
+    <p:handoutMasterId r:id="rId23"/>
   </p:handoutMasterIdLst>
   <p:sldIdLst>
     <p:sldId id="256" r:id="rId2"/>
@@ -20,15 +20,17 @@
     <p:sldId id="402" r:id="rId8"/>
     <p:sldId id="404" r:id="rId9"/>
     <p:sldId id="405" r:id="rId10"/>
-    <p:sldId id="408" r:id="rId11"/>
-    <p:sldId id="406" r:id="rId12"/>
-    <p:sldId id="407" r:id="rId13"/>
-    <p:sldId id="409" r:id="rId14"/>
-    <p:sldId id="410" r:id="rId15"/>
-    <p:sldId id="411" r:id="rId16"/>
-    <p:sldId id="412" r:id="rId17"/>
-    <p:sldId id="413" r:id="rId18"/>
-    <p:sldId id="378" r:id="rId19"/>
+    <p:sldId id="414" r:id="rId11"/>
+    <p:sldId id="415" r:id="rId12"/>
+    <p:sldId id="408" r:id="rId13"/>
+    <p:sldId id="406" r:id="rId14"/>
+    <p:sldId id="407" r:id="rId15"/>
+    <p:sldId id="409" r:id="rId16"/>
+    <p:sldId id="410" r:id="rId17"/>
+    <p:sldId id="411" r:id="rId18"/>
+    <p:sldId id="412" r:id="rId19"/>
+    <p:sldId id="413" r:id="rId20"/>
+    <p:sldId id="378" r:id="rId21"/>
   </p:sldIdLst>
   <p:sldSz cx="9144000" cy="5715000" type="screen16x10"/>
   <p:notesSz cx="7099300" cy="10234613"/>
@@ -2360,7 +2362,7 @@
     </p:spTree>
     <p:extLst>
       <p:ext uri="{BB962C8B-B14F-4D97-AF65-F5344CB8AC3E}">
-        <p14:creationId xmlns:p14="http://schemas.microsoft.com/office/powerpoint/2010/main" val="3203330999"/>
+        <p14:creationId xmlns:p14="http://schemas.microsoft.com/office/powerpoint/2010/main" val="3385516847"/>
       </p:ext>
     </p:extLst>
   </p:cSld>
@@ -2453,7 +2455,7 @@
     </p:spTree>
     <p:extLst>
       <p:ext uri="{BB962C8B-B14F-4D97-AF65-F5344CB8AC3E}">
-        <p14:creationId xmlns:p14="http://schemas.microsoft.com/office/powerpoint/2010/main" val="274229529"/>
+        <p14:creationId xmlns:p14="http://schemas.microsoft.com/office/powerpoint/2010/main" val="2821030908"/>
       </p:ext>
     </p:extLst>
   </p:cSld>
@@ -2539,34 +2541,6 @@
           <a:bodyPr/>
           <a:lstStyle/>
           <a:p>
-            <a:r>
-              <a:rPr lang="en-GB" dirty="0" err="1"/>
-              <a:t>Referir</a:t>
-            </a:r>
-            <a:r>
-              <a:rPr lang="en-GB" dirty="0"/>
-              <a:t> que </a:t>
-            </a:r>
-            <a:r>
-              <a:rPr lang="en-GB" dirty="0" err="1"/>
-              <a:t>termo</a:t>
-            </a:r>
-            <a:r>
-              <a:rPr lang="en-GB" dirty="0"/>
-              <a:t> </a:t>
-            </a:r>
-            <a:r>
-              <a:rPr lang="en-GB" dirty="0" err="1"/>
-              <a:t>compressão</a:t>
-            </a:r>
-            <a:r>
-              <a:rPr lang="en-GB" dirty="0"/>
-              <a:t> no modo é </a:t>
-            </a:r>
-            <a:r>
-              <a:rPr lang="en-GB" dirty="0" err="1"/>
-              <a:t>errado</a:t>
-            </a:r>
             <a:endParaRPr lang="en-GB" dirty="0"/>
           </a:p>
         </p:txBody>
@@ -2574,7 +2548,7 @@
     </p:spTree>
     <p:extLst>
       <p:ext uri="{BB962C8B-B14F-4D97-AF65-F5344CB8AC3E}">
-        <p14:creationId xmlns:p14="http://schemas.microsoft.com/office/powerpoint/2010/main" val="4058773799"/>
+        <p14:creationId xmlns:p14="http://schemas.microsoft.com/office/powerpoint/2010/main" val="3203330999"/>
       </p:ext>
     </p:extLst>
   </p:cSld>
@@ -2667,7 +2641,7 @@
     </p:spTree>
     <p:extLst>
       <p:ext uri="{BB962C8B-B14F-4D97-AF65-F5344CB8AC3E}">
-        <p14:creationId xmlns:p14="http://schemas.microsoft.com/office/powerpoint/2010/main" val="2695771526"/>
+        <p14:creationId xmlns:p14="http://schemas.microsoft.com/office/powerpoint/2010/main" val="274229529"/>
       </p:ext>
     </p:extLst>
   </p:cSld>
@@ -2753,14 +2727,17 @@
           <a:bodyPr/>
           <a:lstStyle/>
           <a:p>
-            <a:endParaRPr lang="en-GB" dirty="0"/>
+            <a:r>
+              <a:rPr lang="en-GB" dirty="0"/>
+              <a:t>Referir que termo compressão no modo é errado</a:t>
+            </a:r>
           </a:p>
         </p:txBody>
       </p:sp>
     </p:spTree>
     <p:extLst>
       <p:ext uri="{BB962C8B-B14F-4D97-AF65-F5344CB8AC3E}">
-        <p14:creationId xmlns:p14="http://schemas.microsoft.com/office/powerpoint/2010/main" val="3518304284"/>
+        <p14:creationId xmlns:p14="http://schemas.microsoft.com/office/powerpoint/2010/main" val="4058773799"/>
       </p:ext>
     </p:extLst>
   </p:cSld>
@@ -2853,7 +2830,7 @@
     </p:spTree>
     <p:extLst>
       <p:ext uri="{BB962C8B-B14F-4D97-AF65-F5344CB8AC3E}">
-        <p14:creationId xmlns:p14="http://schemas.microsoft.com/office/powerpoint/2010/main" val="3200921366"/>
+        <p14:creationId xmlns:p14="http://schemas.microsoft.com/office/powerpoint/2010/main" val="2695771526"/>
       </p:ext>
     </p:extLst>
   </p:cSld>
@@ -2946,7 +2923,7 @@
     </p:spTree>
     <p:extLst>
       <p:ext uri="{BB962C8B-B14F-4D97-AF65-F5344CB8AC3E}">
-        <p14:creationId xmlns:p14="http://schemas.microsoft.com/office/powerpoint/2010/main" val="3832661573"/>
+        <p14:creationId xmlns:p14="http://schemas.microsoft.com/office/powerpoint/2010/main" val="3518304284"/>
       </p:ext>
     </p:extLst>
   </p:cSld>
@@ -3039,7 +3016,7 @@
     </p:spTree>
     <p:extLst>
       <p:ext uri="{BB962C8B-B14F-4D97-AF65-F5344CB8AC3E}">
-        <p14:creationId xmlns:p14="http://schemas.microsoft.com/office/powerpoint/2010/main" val="1870897608"/>
+        <p14:creationId xmlns:p14="http://schemas.microsoft.com/office/powerpoint/2010/main" val="3200921366"/>
       </p:ext>
     </p:extLst>
   </p:cSld>
@@ -3083,7 +3060,7 @@
           <a:bodyPr/>
           <a:lstStyle/>
           <a:p>
-            <a:fld id="{FD2305D1-531D-4CEF-BD3D-05CF1AF8F416}" type="slidenum">
+            <a:fld id="{3A39D14B-6B8A-4B5C-B9E8-DE6D6BC70576}" type="slidenum">
               <a:rPr lang="en-GB"/>
               <a:pPr/>
               <a:t>18</a:t>
@@ -3094,7 +3071,7 @@
       </p:sp>
       <p:sp>
         <p:nvSpPr>
-          <p:cNvPr id="312322" name="Rectangle 2"/>
+          <p:cNvPr id="259074" name="Rectangle 2"/>
           <p:cNvSpPr>
             <a:spLocks noGrp="1" noRot="1" noChangeAspect="1" noChangeArrowheads="1" noTextEdit="1"/>
           </p:cNvSpPr>
@@ -3112,7 +3089,7 @@
       </p:sp>
       <p:sp>
         <p:nvSpPr>
-          <p:cNvPr id="312323" name="Rectangle 3"/>
+          <p:cNvPr id="259075" name="Rectangle 3"/>
           <p:cNvSpPr>
             <a:spLocks noGrp="1" noChangeArrowheads="1"/>
           </p:cNvSpPr>
@@ -3125,14 +3102,109 @@
           <a:bodyPr/>
           <a:lstStyle/>
           <a:p>
-            <a:r>
-              <a:rPr lang="en-GB" dirty="0"/>
-              <a:t>Ready for the demo</a:t>
-            </a:r>
+            <a:endParaRPr lang="en-GB" dirty="0"/>
           </a:p>
         </p:txBody>
       </p:sp>
     </p:spTree>
+    <p:extLst>
+      <p:ext uri="{BB962C8B-B14F-4D97-AF65-F5344CB8AC3E}">
+        <p14:creationId xmlns:p14="http://schemas.microsoft.com/office/powerpoint/2010/main" val="3832661573"/>
+      </p:ext>
+    </p:extLst>
+  </p:cSld>
+  <p:clrMapOvr>
+    <a:masterClrMapping/>
+  </p:clrMapOvr>
+</p:notes>
+</file>
+
+<file path=ppt/notesSlides/notesSlide19.xml><?xml version="1.0" encoding="utf-8"?>
+<p:notes xmlns:a="http://schemas.openxmlformats.org/drawingml/2006/main" xmlns:r="http://schemas.openxmlformats.org/officeDocument/2006/relationships" xmlns:p="http://schemas.openxmlformats.org/presentationml/2006/main">
+  <p:cSld>
+    <p:spTree>
+      <p:nvGrpSpPr>
+        <p:cNvPr id="1" name=""/>
+        <p:cNvGrpSpPr/>
+        <p:nvPr/>
+      </p:nvGrpSpPr>
+      <p:grpSpPr>
+        <a:xfrm>
+          <a:off x="0" y="0"/>
+          <a:ext cx="0" cy="0"/>
+          <a:chOff x="0" y="0"/>
+          <a:chExt cx="0" cy="0"/>
+        </a:xfrm>
+      </p:grpSpPr>
+      <p:sp>
+        <p:nvSpPr>
+          <p:cNvPr id="7" name="Rectangle 7"/>
+          <p:cNvSpPr>
+            <a:spLocks noGrp="1" noChangeArrowheads="1"/>
+          </p:cNvSpPr>
+          <p:nvPr>
+            <p:ph type="sldNum" sz="quarter" idx="5"/>
+          </p:nvPr>
+        </p:nvSpPr>
+        <p:spPr>
+          <a:ln/>
+        </p:spPr>
+        <p:txBody>
+          <a:bodyPr/>
+          <a:lstStyle/>
+          <a:p>
+            <a:fld id="{3A39D14B-6B8A-4B5C-B9E8-DE6D6BC70576}" type="slidenum">
+              <a:rPr lang="en-GB"/>
+              <a:pPr/>
+              <a:t>19</a:t>
+            </a:fld>
+            <a:endParaRPr lang="en-GB" dirty="0"/>
+          </a:p>
+        </p:txBody>
+      </p:sp>
+      <p:sp>
+        <p:nvSpPr>
+          <p:cNvPr id="259074" name="Rectangle 2"/>
+          <p:cNvSpPr>
+            <a:spLocks noGrp="1" noRot="1" noChangeAspect="1" noChangeArrowheads="1" noTextEdit="1"/>
+          </p:cNvSpPr>
+          <p:nvPr>
+            <p:ph type="sldImg"/>
+          </p:nvPr>
+        </p:nvSpPr>
+        <p:spPr>
+          <a:xfrm>
+            <a:off x="477838" y="766763"/>
+            <a:ext cx="6145212" cy="3840162"/>
+          </a:xfrm>
+          <a:ln/>
+        </p:spPr>
+      </p:sp>
+      <p:sp>
+        <p:nvSpPr>
+          <p:cNvPr id="259075" name="Rectangle 3"/>
+          <p:cNvSpPr>
+            <a:spLocks noGrp="1" noChangeArrowheads="1"/>
+          </p:cNvSpPr>
+          <p:nvPr>
+            <p:ph type="body" idx="1"/>
+          </p:nvPr>
+        </p:nvSpPr>
+        <p:spPr/>
+        <p:txBody>
+          <a:bodyPr/>
+          <a:lstStyle/>
+          <a:p>
+            <a:endParaRPr lang="en-GB" dirty="0"/>
+          </a:p>
+        </p:txBody>
+      </p:sp>
+    </p:spTree>
+    <p:extLst>
+      <p:ext uri="{BB962C8B-B14F-4D97-AF65-F5344CB8AC3E}">
+        <p14:creationId xmlns:p14="http://schemas.microsoft.com/office/powerpoint/2010/main" val="1870897608"/>
+      </p:ext>
+    </p:extLst>
   </p:cSld>
   <p:clrMapOvr>
     <a:masterClrMapping/>
@@ -3217,6 +3289,97 @@
           <a:lstStyle/>
           <a:p>
             <a:endParaRPr lang="en-GB" dirty="0"/>
+          </a:p>
+        </p:txBody>
+      </p:sp>
+    </p:spTree>
+  </p:cSld>
+  <p:clrMapOvr>
+    <a:masterClrMapping/>
+  </p:clrMapOvr>
+</p:notes>
+</file>
+
+<file path=ppt/notesSlides/notesSlide20.xml><?xml version="1.0" encoding="utf-8"?>
+<p:notes xmlns:a="http://schemas.openxmlformats.org/drawingml/2006/main" xmlns:r="http://schemas.openxmlformats.org/officeDocument/2006/relationships" xmlns:p="http://schemas.openxmlformats.org/presentationml/2006/main">
+  <p:cSld>
+    <p:spTree>
+      <p:nvGrpSpPr>
+        <p:cNvPr id="1" name=""/>
+        <p:cNvGrpSpPr/>
+        <p:nvPr/>
+      </p:nvGrpSpPr>
+      <p:grpSpPr>
+        <a:xfrm>
+          <a:off x="0" y="0"/>
+          <a:ext cx="0" cy="0"/>
+          <a:chOff x="0" y="0"/>
+          <a:chExt cx="0" cy="0"/>
+        </a:xfrm>
+      </p:grpSpPr>
+      <p:sp>
+        <p:nvSpPr>
+          <p:cNvPr id="7" name="Rectangle 7"/>
+          <p:cNvSpPr>
+            <a:spLocks noGrp="1" noChangeArrowheads="1"/>
+          </p:cNvSpPr>
+          <p:nvPr>
+            <p:ph type="sldNum" sz="quarter" idx="5"/>
+          </p:nvPr>
+        </p:nvSpPr>
+        <p:spPr>
+          <a:ln/>
+        </p:spPr>
+        <p:txBody>
+          <a:bodyPr/>
+          <a:lstStyle/>
+          <a:p>
+            <a:fld id="{FD2305D1-531D-4CEF-BD3D-05CF1AF8F416}" type="slidenum">
+              <a:rPr lang="en-GB"/>
+              <a:pPr/>
+              <a:t>20</a:t>
+            </a:fld>
+            <a:endParaRPr lang="en-GB" dirty="0"/>
+          </a:p>
+        </p:txBody>
+      </p:sp>
+      <p:sp>
+        <p:nvSpPr>
+          <p:cNvPr id="312322" name="Rectangle 2"/>
+          <p:cNvSpPr>
+            <a:spLocks noGrp="1" noRot="1" noChangeAspect="1" noChangeArrowheads="1" noTextEdit="1"/>
+          </p:cNvSpPr>
+          <p:nvPr>
+            <p:ph type="sldImg"/>
+          </p:nvPr>
+        </p:nvSpPr>
+        <p:spPr>
+          <a:xfrm>
+            <a:off x="477838" y="766763"/>
+            <a:ext cx="6145212" cy="3840162"/>
+          </a:xfrm>
+          <a:ln/>
+        </p:spPr>
+      </p:sp>
+      <p:sp>
+        <p:nvSpPr>
+          <p:cNvPr id="312323" name="Rectangle 3"/>
+          <p:cNvSpPr>
+            <a:spLocks noGrp="1" noChangeArrowheads="1"/>
+          </p:cNvSpPr>
+          <p:nvPr>
+            <p:ph type="body" idx="1"/>
+          </p:nvPr>
+        </p:nvSpPr>
+        <p:spPr/>
+        <p:txBody>
+          <a:bodyPr/>
+          <a:lstStyle/>
+          <a:p>
+            <a:r>
+              <a:rPr lang="en-GB" dirty="0"/>
+              <a:t>Ready for the demo</a:t>
+            </a:r>
           </a:p>
         </p:txBody>
       </p:sp>
@@ -3491,28 +3654,8 @@
           <a:lstStyle/>
           <a:p>
             <a:r>
-              <a:rPr lang="en-GB" dirty="0" err="1"/>
-              <a:t>Referir</a:t>
-            </a:r>
-            <a:r>
               <a:rPr lang="en-GB" dirty="0"/>
-              <a:t> </a:t>
-            </a:r>
-            <a:r>
-              <a:rPr lang="en-GB" dirty="0" err="1"/>
-              <a:t>modos</a:t>
-            </a:r>
-            <a:r>
-              <a:rPr lang="en-GB" dirty="0"/>
-              <a:t> de </a:t>
-            </a:r>
-            <a:r>
-              <a:rPr lang="en-GB" dirty="0" err="1"/>
-              <a:t>endereçaemnto</a:t>
-            </a:r>
-            <a:r>
-              <a:rPr lang="en-GB" dirty="0"/>
-              <a:t> no x86</a:t>
+              <a:t>Referir modos de endereçamento no x86</a:t>
             </a:r>
           </a:p>
         </p:txBody>
@@ -3707,20 +3850,8 @@
           <a:lstStyle/>
           <a:p>
             <a:r>
-              <a:rPr lang="en-GB" dirty="0" err="1"/>
-              <a:t>Imagem</a:t>
-            </a:r>
-            <a:r>
               <a:rPr lang="en-GB" dirty="0"/>
-              <a:t> </a:t>
-            </a:r>
-            <a:r>
-              <a:rPr lang="en-GB" dirty="0" err="1"/>
-              <a:t>em</a:t>
-            </a:r>
-            <a:r>
-              <a:rPr lang="en-GB" dirty="0"/>
-              <a:t> https://www.cs.uaf.edu/courses/cs301/2014-fall/notes/arm-asm/</a:t>
+              <a:t>Imagem em https://www.cs.uaf.edu/courses/cs301/2014-fall/notes/arm-asm/</a:t>
             </a:r>
           </a:p>
           <a:p>
@@ -7164,7 +7295,7 @@
                 </a:solidFill>
                 <a:latin typeface="Arial" charset="0"/>
               </a:rPr>
-              <a:t>SCO-T2-A04</a:t>
+              <a:t>SCO-T1-A03</a:t>
             </a:r>
             <a:br>
               <a:rPr lang="pt-PT" sz="1000" b="1" i="1" dirty="0">
@@ -7209,7 +7340,7 @@
         <p:spPr bwMode="auto">
           <a:xfrm>
             <a:off x="540000" y="841276"/>
-            <a:ext cx="8424488" cy="4241662"/>
+            <a:ext cx="8424488" cy="1877938"/>
           </a:xfrm>
           <a:prstGeom prst="rect">
             <a:avLst/>
@@ -7236,7 +7367,7 @@
             </a:pPr>
             <a:r>
               <a:rPr lang="pt-BR" sz="2000" b="0" i="0" dirty="0"/>
-              <a:t>Representação multibyte:</a:t>
+              <a:t>Modelo de memória (Continuação):</a:t>
             </a:r>
           </a:p>
           <a:p>
@@ -7249,99 +7380,7 @@
             </a:pPr>
             <a:r>
               <a:rPr lang="pt-BR" sz="1600" b="0" i="0" dirty="0"/>
-              <a:t>A representação de dados inteiros multibyte, com e sem sinal, pode ser feita de dois modos numa sequència de bytes. Por exemplo, para o valor de 32bit </a:t>
-            </a:r>
-            <a:r>
-              <a:rPr lang="pt-BR" sz="1600" i="0" dirty="0">
-                <a:solidFill>
-                  <a:schemeClr val="accent2"/>
-                </a:solidFill>
-                <a:latin typeface="Courier New" panose="02070309020205020404" pitchFamily="49" charset="0"/>
-                <a:cs typeface="Courier New" panose="02070309020205020404" pitchFamily="49" charset="0"/>
-              </a:rPr>
-              <a:t>0x01234567</a:t>
-            </a:r>
-            <a:r>
-              <a:rPr lang="pt-BR" sz="1600" b="0" i="0" dirty="0"/>
-              <a:t> temos:</a:t>
-            </a:r>
-          </a:p>
-          <a:p>
-            <a:pPr marL="713804" lvl="2" indent="-177800" algn="just" defTabSz="624078">
-              <a:lnSpc>
-                <a:spcPct val="120000"/>
-              </a:lnSpc>
-              <a:buFont typeface="Wingdings" pitchFamily="2" charset="2"/>
-              <a:buChar char="Ø"/>
-            </a:pPr>
-            <a:r>
-              <a:rPr lang="pt-BR" sz="1600" i="0" dirty="0"/>
-              <a:t>Big Indian</a:t>
-            </a:r>
-            <a:r>
-              <a:rPr lang="pt-BR" sz="1600" b="0" i="0" dirty="0"/>
-              <a:t>: No primeiro endereço (mais baixo) temos o valor mais significativo (MSB – </a:t>
-            </a:r>
-            <a:r>
-              <a:rPr lang="pt-BR" sz="1600" b="0" dirty="0"/>
-              <a:t>Most Significant Byte</a:t>
-            </a:r>
-            <a:r>
-              <a:rPr lang="pt-BR" sz="1600" b="0" i="0" dirty="0"/>
-              <a:t>), no caso </a:t>
-            </a:r>
-            <a:r>
-              <a:rPr lang="pt-BR" sz="1600" i="0" dirty="0">
-                <a:solidFill>
-                  <a:schemeClr val="accent2"/>
-                </a:solidFill>
-                <a:latin typeface="Courier New" panose="02070309020205020404" pitchFamily="49" charset="0"/>
-                <a:cs typeface="Courier New" panose="02070309020205020404" pitchFamily="49" charset="0"/>
-              </a:rPr>
-              <a:t>01 23 45 67</a:t>
-            </a:r>
-            <a:r>
-              <a:rPr lang="pt-BR" sz="1600" b="0" i="0" dirty="0"/>
-              <a:t>;</a:t>
-            </a:r>
-          </a:p>
-          <a:p>
-            <a:pPr marL="713804" lvl="2" indent="-177800" algn="just" defTabSz="624078">
-              <a:lnSpc>
-                <a:spcPct val="120000"/>
-              </a:lnSpc>
-              <a:buFont typeface="Wingdings" pitchFamily="2" charset="2"/>
-              <a:buChar char="Ø"/>
-            </a:pPr>
-            <a:r>
-              <a:rPr lang="pt-BR" sz="1600" i="0" dirty="0"/>
-              <a:t>Little Indian</a:t>
-            </a:r>
-            <a:r>
-              <a:rPr lang="pt-BR" sz="1600" b="0" i="0" dirty="0"/>
-              <a:t>: No primeiro endereço (mais baixo) temos o valor menos significativo (LSB – </a:t>
-            </a:r>
-            <a:r>
-              <a:rPr lang="pt-BR" sz="1600" b="0" dirty="0"/>
-              <a:t>Less Significant Byte</a:t>
-            </a:r>
-            <a:r>
-              <a:rPr lang="pt-BR" sz="1600" b="0" i="0" dirty="0"/>
-              <a:t>), no caso </a:t>
-            </a:r>
-            <a:r>
-              <a:rPr lang="pt-BR" sz="1600" i="0" dirty="0">
-                <a:solidFill>
-                  <a:schemeClr val="accent2"/>
-                </a:solidFill>
-                <a:latin typeface="Courier New" panose="02070309020205020404" pitchFamily="49" charset="0"/>
-                <a:cs typeface="Courier New" panose="02070309020205020404" pitchFamily="49" charset="0"/>
-              </a:rPr>
-              <a:t>67 45 23 01</a:t>
-            </a:r>
-            <a:r>
-              <a:rPr lang="pt-BR" sz="1600" b="0" i="0" dirty="0"/>
-              <a:t>;</a:t>
+              <a:t>Word (palavra): Dimensão em bits que o CPU usa internamente na representação dos dadqs. Arquiteturas de 8, 16, 32 ou 64 bit;</a:t>
             </a:r>
           </a:p>
           <a:p>
@@ -7354,47 +7393,39 @@
             </a:pPr>
             <a:r>
               <a:rPr lang="pt-BR" sz="1600" b="0" i="0" dirty="0"/>
-              <a:t>Quando comuncamos em rede devemos comverter a representção dos dados para a ordem common. A representação de dados elementares/primitivos no protocolo de rede TCP/IP é o </a:t>
+              <a:t>As transferências de dados com dispotivos e memória pode ser de 8, 16, 32, 64 (</a:t>
             </a:r>
             <a:r>
               <a:rPr lang="pt-BR" sz="1600" b="0" dirty="0"/>
-              <a:t>Little Indian</a:t>
+              <a:t>single channel</a:t>
             </a:r>
             <a:r>
               <a:rPr lang="pt-BR" sz="1600" b="0" i="0" dirty="0"/>
-              <a:t>. Um CPU com representação Big Indian deve converter de </a:t>
+              <a:t>), 128 (</a:t>
             </a:r>
             <a:r>
               <a:rPr lang="pt-BR" sz="1600" b="0" dirty="0"/>
-              <a:t>Big</a:t>
+              <a:t>dual channel</a:t>
             </a:r>
             <a:r>
               <a:rPr lang="pt-BR" sz="1600" b="0" i="0" dirty="0"/>
-              <a:t> para </a:t>
+              <a:t>), 192 (</a:t>
             </a:r>
             <a:r>
               <a:rPr lang="pt-BR" sz="1600" b="0" dirty="0"/>
-              <a:t>Little</a:t>
+              <a:t>triple channel</a:t>
             </a:r>
             <a:r>
               <a:rPr lang="pt-BR" sz="1600" b="0" i="0" dirty="0"/>
-              <a:t> no envio e para </a:t>
+              <a:t>) e 256 (</a:t>
             </a:r>
             <a:r>
               <a:rPr lang="pt-BR" sz="1600" b="0" dirty="0"/>
-              <a:t>Little</a:t>
+              <a:t>quad channel</a:t>
             </a:r>
             <a:r>
               <a:rPr lang="pt-BR" sz="1600" b="0" i="0" dirty="0"/>
-              <a:t> para </a:t>
-            </a:r>
-            <a:r>
-              <a:rPr lang="pt-BR" sz="1600" b="0" dirty="0"/>
-              <a:t>Bit </a:t>
-            </a:r>
-            <a:r>
-              <a:rPr lang="pt-BR" sz="1600" b="0" i="0" dirty="0"/>
-              <a:t>na receção. Mais informações sobre assunto poderão ser apresentadas nas UCs de Sistemas Operaticos, Comunicação de dados e Sistemas Distribuidos.</a:t>
+              <a:t>) bit. Poderam ainda ser ainda de maior dimensão.</a:t>
             </a:r>
           </a:p>
         </p:txBody>
@@ -7402,7 +7433,7 @@
     </p:spTree>
     <p:extLst>
       <p:ext uri="{BB962C8B-B14F-4D97-AF65-F5344CB8AC3E}">
-        <p14:creationId xmlns:p14="http://schemas.microsoft.com/office/powerpoint/2010/main" val="2865635966"/>
+        <p14:creationId xmlns:p14="http://schemas.microsoft.com/office/powerpoint/2010/main" val="3553062571"/>
       </p:ext>
     </p:extLst>
   </p:cSld>
@@ -7605,7 +7636,7 @@
                 </a:solidFill>
                 <a:latin typeface="Arial" charset="0"/>
               </a:rPr>
-              <a:t>SCO-T2-A04</a:t>
+              <a:t>SCO-T1-A03</a:t>
             </a:r>
             <a:br>
               <a:rPr lang="pt-PT" sz="1000" b="1" i="1" dirty="0">
@@ -7650,7 +7681,7 @@
         <p:spPr bwMode="auto">
           <a:xfrm>
             <a:off x="540000" y="841276"/>
-            <a:ext cx="8424488" cy="3946196"/>
+            <a:ext cx="8424488" cy="3059800"/>
           </a:xfrm>
           <a:prstGeom prst="rect">
             <a:avLst/>
@@ -7677,7 +7708,7 @@
             </a:pPr>
             <a:r>
               <a:rPr lang="pt-BR" sz="2000" b="0" i="0" dirty="0"/>
-              <a:t>Alinhamento da memória:</a:t>
+              <a:t>Modelo de memória (Continuação):</a:t>
             </a:r>
           </a:p>
           <a:p>
@@ -7690,35 +7721,7 @@
             </a:pPr>
             <a:r>
               <a:rPr lang="pt-BR" sz="1600" b="0" i="0" dirty="0"/>
-              <a:t>A memória é vista como uma matriz de bytes com endereços, normamente representados em hexadecimal, de 0 a um valor máximo (e.g. de </a:t>
-            </a:r>
-            <a:r>
-              <a:rPr lang="pt-BR" sz="1600" i="0" dirty="0">
-                <a:solidFill>
-                  <a:schemeClr val="accent2"/>
-                </a:solidFill>
-                <a:latin typeface="Courier New" panose="02070309020205020404" pitchFamily="49" charset="0"/>
-                <a:cs typeface="Courier New" panose="02070309020205020404" pitchFamily="49" charset="0"/>
-              </a:rPr>
-              <a:t>0x00000000</a:t>
-            </a:r>
-            <a:r>
-              <a:rPr lang="pt-BR" sz="1600" b="0" i="0" dirty="0"/>
-              <a:t> a </a:t>
-            </a:r>
-            <a:r>
-              <a:rPr lang="pt-BR" sz="1600" i="0" dirty="0">
-                <a:solidFill>
-                  <a:schemeClr val="accent2"/>
-                </a:solidFill>
-                <a:latin typeface="Courier New" panose="02070309020205020404" pitchFamily="49" charset="0"/>
-                <a:cs typeface="Courier New" panose="02070309020205020404" pitchFamily="49" charset="0"/>
-              </a:rPr>
-              <a:t>0xffffffff</a:t>
-            </a:r>
-            <a:r>
-              <a:rPr lang="pt-BR" sz="1600" b="0" i="0" dirty="0"/>
-              <a:t>, 32bits);</a:t>
+              <a:t>Integrado: Neste modelo os dados e as instruções partilham o mesmo espaço. É fácíl de implementar e por isso pode ser utilizado em sistemas computacionais mais simples, no entanto não uma boa solução para programas mais complexos;</a:t>
             </a:r>
           </a:p>
           <a:p>
@@ -7731,21 +7734,23 @@
             </a:pPr>
             <a:r>
               <a:rPr lang="pt-BR" sz="1600" b="0" i="0" dirty="0"/>
-              <a:t>Podemos aceder e transferir com a memória, blocos de dados superiores a 1 byte para optimizar a transferência. Por exemplo, alguns compiladores de C tém uma diretiva (e.g. </a:t>
-            </a:r>
-            <a:r>
-              <a:rPr lang="pt-BR" sz="1600" i="0" dirty="0">
-                <a:solidFill>
-                  <a:schemeClr val="accent2"/>
-                </a:solidFill>
-                <a:latin typeface="Courier New" panose="02070309020205020404" pitchFamily="49" charset="0"/>
-                <a:cs typeface="Courier New" panose="02070309020205020404" pitchFamily="49" charset="0"/>
-              </a:rPr>
-              <a:t>“#pragma align(4)</a:t>
+              <a:t>Zonas distintas: Os dados e as instruções são colocadas em zonas distintas/separadas. É uma melhor solução para grandes projectos mas também imposta por alguns sistemas/plataformas como o </a:t>
+            </a:r>
+            <a:r>
+              <a:rPr lang="pt-BR" sz="1600" i="0" dirty="0"/>
+              <a:t>VisUAL</a:t>
             </a:r>
             <a:r>
               <a:rPr lang="pt-BR" sz="1600" b="0" i="0" dirty="0"/>
-              <a:t>”) que permite definir como deve ser feito o alinhamento dos dados complexos de forma a melhorar a eficiência do programas. Numa matriz com dados de 7 Bytes é intruduzido 1 Byte “vázio” no fim de cada elemento para ficar com 8 Bytes no total (alinhamento de 4).</a:t>
+              <a:t> (ver código anterior no </a:t>
+            </a:r>
+            <a:r>
+              <a:rPr lang="pt-BR" sz="1600" b="0" dirty="0"/>
+              <a:t>slide </a:t>
+            </a:r>
+            <a:r>
+              <a:rPr lang="pt-BR" sz="1600" b="0" i="0" dirty="0"/>
+              <a:t>4);</a:t>
             </a:r>
           </a:p>
           <a:p>
@@ -7758,15 +7763,15 @@
             </a:pPr>
             <a:r>
               <a:rPr lang="pt-BR" sz="1600" b="0" i="0" dirty="0"/>
-              <a:t>No caso do ARMv7 o alinhamento é feito com 32bit/4Bytes. Se tentar-mos alterar esta situação, o assemblador pode apresentar erros na “assemblagem” do código fonte </a:t>
-            </a:r>
-            <a:r>
-              <a:rPr lang="pt-BR" sz="1600" b="0" dirty="0"/>
-              <a:t>assembly</a:t>
+              <a:t>Segmentos: Em sistemas modernos e com suporte do CPU, as instruções e dados são separados completemente. Mais informação sobre esta organização será </a:t>
+            </a:r>
+            <a:r>
+              <a:rPr lang="pt-PT" sz="1600" b="0" i="0" dirty="0"/>
+              <a:t>apresentada</a:t>
             </a:r>
             <a:r>
               <a:rPr lang="pt-BR" sz="1600" b="0" i="0" dirty="0"/>
-              <a:t> para código máquina.</a:t>
+              <a:t> em aulas subsequentes bem como noutras UCs.</a:t>
             </a:r>
           </a:p>
         </p:txBody>
@@ -7774,7 +7779,7 @@
     </p:spTree>
     <p:extLst>
       <p:ext uri="{BB962C8B-B14F-4D97-AF65-F5344CB8AC3E}">
-        <p14:creationId xmlns:p14="http://schemas.microsoft.com/office/powerpoint/2010/main" val="1574307496"/>
+        <p14:creationId xmlns:p14="http://schemas.microsoft.com/office/powerpoint/2010/main" val="3857561291"/>
       </p:ext>
     </p:extLst>
   </p:cSld>
@@ -8022,7 +8027,7 @@
         <p:spPr bwMode="auto">
           <a:xfrm>
             <a:off x="540000" y="841276"/>
-            <a:ext cx="8424488" cy="3946196"/>
+            <a:ext cx="8424488" cy="4241662"/>
           </a:xfrm>
           <a:prstGeom prst="rect">
             <a:avLst/>
@@ -8049,7 +8054,7 @@
             </a:pPr>
             <a:r>
               <a:rPr lang="pt-BR" sz="2000" b="0" i="0" dirty="0"/>
-              <a:t>Modo Thumb da Arquitetura ARM:</a:t>
+              <a:t>Representação multibyte:</a:t>
             </a:r>
           </a:p>
           <a:p>
@@ -8062,15 +8067,7 @@
             </a:pPr>
             <a:r>
               <a:rPr lang="pt-BR" sz="1600" b="0" i="0" dirty="0"/>
-              <a:t>Por uma questão eficiência na “rapidez” da execução de código e indiretamente no consumo de energia, a arquitetura ARM implemente dois </a:t>
-            </a:r>
-            <a:r>
-              <a:rPr lang="pt-BR" sz="1600" b="0" dirty="0"/>
-              <a:t>Instrunctions Sets</a:t>
-            </a:r>
-            <a:r>
-              <a:rPr lang="pt-BR" sz="1600" b="0" i="0" dirty="0"/>
-              <a:t> com a mesma mnemónica (e.g. </a:t>
+              <a:t>A representação de dados inteiros multibyte, com e sem sinal, pode ser feita de dois modos numa sequència de bytes. Por exemplo, para o valor de 32bit </a:t>
             </a:r>
             <a:r>
               <a:rPr lang="pt-BR" sz="1600" i="0" dirty="0">
@@ -8080,19 +8077,89 @@
                 <a:latin typeface="Courier New" panose="02070309020205020404" pitchFamily="49" charset="0"/>
                 <a:cs typeface="Courier New" panose="02070309020205020404" pitchFamily="49" charset="0"/>
               </a:rPr>
-              <a:t>MOV R0, R1</a:t>
+              <a:t>0x01234567</a:t>
             </a:r>
             <a:r>
               <a:rPr lang="pt-BR" sz="1600" b="0" i="0" dirty="0"/>
-              <a:t>), no entanto uma é representada em código máquina de 16bit (</a:t>
+              <a:t> temos:</a:t>
+            </a:r>
+          </a:p>
+          <a:p>
+            <a:pPr marL="713804" lvl="2" indent="-177800" algn="just" defTabSz="624078">
+              <a:lnSpc>
+                <a:spcPct val="120000"/>
+              </a:lnSpc>
+              <a:buFont typeface="Wingdings" pitchFamily="2" charset="2"/>
+              <a:buChar char="Ø"/>
+            </a:pPr>
+            <a:r>
+              <a:rPr lang="pt-BR" sz="1600" i="0" dirty="0"/>
+              <a:t>Big Indian</a:t>
+            </a:r>
+            <a:r>
+              <a:rPr lang="pt-BR" sz="1600" b="0" i="0" dirty="0"/>
+              <a:t>: No primeiro endereço (mais baixo) temos o valor mais significativo (MSB – </a:t>
             </a:r>
             <a:r>
               <a:rPr lang="pt-BR" sz="1600" b="0" dirty="0"/>
-              <a:t>Thumb</a:t>
+              <a:t>Most Significant Byte</a:t>
             </a:r>
             <a:r>
               <a:rPr lang="pt-BR" sz="1600" b="0" i="0" dirty="0"/>
-              <a:t>) e a outra em 32bit, a regular;</a:t>
+              <a:t>), no caso </a:t>
+            </a:r>
+            <a:r>
+              <a:rPr lang="pt-BR" sz="1600" i="0" dirty="0">
+                <a:solidFill>
+                  <a:schemeClr val="accent2"/>
+                </a:solidFill>
+                <a:latin typeface="Courier New" panose="02070309020205020404" pitchFamily="49" charset="0"/>
+                <a:cs typeface="Courier New" panose="02070309020205020404" pitchFamily="49" charset="0"/>
+              </a:rPr>
+              <a:t>01 23 45 67</a:t>
+            </a:r>
+            <a:r>
+              <a:rPr lang="pt-BR" sz="1600" b="0" i="0" dirty="0"/>
+              <a:t>;</a:t>
+            </a:r>
+          </a:p>
+          <a:p>
+            <a:pPr marL="713804" lvl="2" indent="-177800" algn="just" defTabSz="624078">
+              <a:lnSpc>
+                <a:spcPct val="120000"/>
+              </a:lnSpc>
+              <a:buFont typeface="Wingdings" pitchFamily="2" charset="2"/>
+              <a:buChar char="Ø"/>
+            </a:pPr>
+            <a:r>
+              <a:rPr lang="pt-BR" sz="1600" i="0" dirty="0"/>
+              <a:t>Little Indian</a:t>
+            </a:r>
+            <a:r>
+              <a:rPr lang="pt-BR" sz="1600" b="0" i="0" dirty="0"/>
+              <a:t>: No primeiro endereço (mais baixo) temos o valor menos significativo (LSB – </a:t>
+            </a:r>
+            <a:r>
+              <a:rPr lang="pt-BR" sz="1600" b="0" dirty="0"/>
+              <a:t>Less Significant Byte</a:t>
+            </a:r>
+            <a:r>
+              <a:rPr lang="pt-BR" sz="1600" b="0" i="0" dirty="0"/>
+              <a:t>), no caso </a:t>
+            </a:r>
+            <a:r>
+              <a:rPr lang="pt-BR" sz="1600" i="0" dirty="0">
+                <a:solidFill>
+                  <a:schemeClr val="accent2"/>
+                </a:solidFill>
+                <a:latin typeface="Courier New" panose="02070309020205020404" pitchFamily="49" charset="0"/>
+                <a:cs typeface="Courier New" panose="02070309020205020404" pitchFamily="49" charset="0"/>
+              </a:rPr>
+              <a:t>67 45 23 01</a:t>
+            </a:r>
+            <a:r>
+              <a:rPr lang="pt-BR" sz="1600" b="0" i="0" dirty="0"/>
+              <a:t>;</a:t>
             </a:r>
           </a:p>
           <a:p>
@@ -8105,20 +8172,47 @@
             </a:pPr>
             <a:r>
               <a:rPr lang="pt-BR" sz="1600" b="0" i="0" dirty="0"/>
-              <a:t>O modo Thumb é mais eficiente (mais rápido, só 16bit na instrução) e com menos consumo de energia, no entanto a programabilidade é reduzida, pois temos menos bits para representar informação e opções da instrução. Por exemplo em modo Thumb só podemos utilizar os registos de R0 a R7. </a:t>
-            </a:r>
-          </a:p>
-          <a:p>
-            <a:pPr marL="357188" lvl="1" indent="-177800" algn="just" defTabSz="624078">
-              <a:lnSpc>
-                <a:spcPct val="120000"/>
-              </a:lnSpc>
-              <a:buFont typeface="Wingdings" pitchFamily="2" charset="2"/>
-              <a:buChar char="Ø"/>
-            </a:pPr>
+              <a:t>Quando comuncamos em rede devemos comverter a representção dos dados para a ordem common. A representação de dados elementares/primitivos no protocolo de rede TCP/IP é o </a:t>
+            </a:r>
+            <a:r>
+              <a:rPr lang="pt-BR" sz="1600" b="0" dirty="0"/>
+              <a:t>Little Indian</a:t>
+            </a:r>
             <a:r>
               <a:rPr lang="pt-BR" sz="1600" b="0" i="0" dirty="0"/>
-              <a:t>Para mudar para o modo Thumb temos que utlizar um salto (e.g, BX CODETHUMB) para uma posição/endereço de mémóra impar (bit LSB, bit de ordem 0, com “1”). Podemos regressar ao modo normal com um salto para o código de 32bit numa posição par (bit LSB, bit de ordem 0, com “0”).</a:t>
+              <a:t>. Um CPU com representação Big Indian deve converter de </a:t>
+            </a:r>
+            <a:r>
+              <a:rPr lang="pt-BR" sz="1600" b="0" dirty="0"/>
+              <a:t>Big</a:t>
+            </a:r>
+            <a:r>
+              <a:rPr lang="pt-BR" sz="1600" b="0" i="0" dirty="0"/>
+              <a:t> para </a:t>
+            </a:r>
+            <a:r>
+              <a:rPr lang="pt-BR" sz="1600" b="0" dirty="0"/>
+              <a:t>Little</a:t>
+            </a:r>
+            <a:r>
+              <a:rPr lang="pt-BR" sz="1600" b="0" i="0" dirty="0"/>
+              <a:t> no envio e para </a:t>
+            </a:r>
+            <a:r>
+              <a:rPr lang="pt-BR" sz="1600" b="0" dirty="0"/>
+              <a:t>Little</a:t>
+            </a:r>
+            <a:r>
+              <a:rPr lang="pt-BR" sz="1600" b="0" i="0" dirty="0"/>
+              <a:t> para </a:t>
+            </a:r>
+            <a:r>
+              <a:rPr lang="pt-BR" sz="1600" b="0" dirty="0"/>
+              <a:t>Bit </a:t>
+            </a:r>
+            <a:r>
+              <a:rPr lang="pt-BR" sz="1600" b="0" i="0" dirty="0"/>
+              <a:t>na receção. Mais informações sobre assunto poderão ser apresentadas nas UCs de Sistemas Operaticos, Comunicação de dados e Sistemas Distribuidos.</a:t>
             </a:r>
           </a:p>
         </p:txBody>
@@ -8126,7 +8220,7 @@
     </p:spTree>
     <p:extLst>
       <p:ext uri="{BB962C8B-B14F-4D97-AF65-F5344CB8AC3E}">
-        <p14:creationId xmlns:p14="http://schemas.microsoft.com/office/powerpoint/2010/main" val="4081491891"/>
+        <p14:creationId xmlns:p14="http://schemas.microsoft.com/office/powerpoint/2010/main" val="2865635966"/>
       </p:ext>
     </p:extLst>
   </p:cSld>
@@ -8346,7 +8440,7 @@
                 </a:solidFill>
                 <a:latin typeface="Arial" charset="0"/>
               </a:rPr>
-              <a:t>Instruções ARMv7</a:t>
+              <a:t>Assembler, Assembly, Código Máquina</a:t>
             </a:r>
             <a:endParaRPr lang="pt-PT" sz="1600" b="1" i="1" cap="small" dirty="0">
               <a:solidFill>
@@ -8401,7 +8495,7 @@
             </a:pPr>
             <a:r>
               <a:rPr lang="pt-BR" sz="2000" b="0" i="0" dirty="0"/>
-              <a:t>Instruções da arquitetura ARM:</a:t>
+              <a:t>Alinhamento da memória:</a:t>
             </a:r>
           </a:p>
           <a:p>
@@ -8413,12 +8507,8 @@
               <a:buChar char="Ø"/>
             </a:pPr>
             <a:r>
-              <a:rPr lang="pt-BR" sz="1600" i="0" dirty="0"/>
-              <a:t>MOV</a:t>
-            </a:r>
-            <a:r>
               <a:rPr lang="pt-BR" sz="1600" b="0" i="0" dirty="0"/>
-              <a:t>: Copía (não move) valor do segundo operando para o primeiro. Por exemplo a instrução </a:t>
+              <a:t>A memória é vista como uma matriz de bytes com endereços, normamente representados em hexadecimal, de 0 a um valor máximo (e.g. de </a:t>
             </a:r>
             <a:r>
               <a:rPr lang="pt-BR" sz="1600" i="0" dirty="0">
@@ -8428,11 +8518,11 @@
                 <a:latin typeface="Courier New" panose="02070309020205020404" pitchFamily="49" charset="0"/>
                 <a:cs typeface="Courier New" panose="02070309020205020404" pitchFamily="49" charset="0"/>
               </a:rPr>
-              <a:t>MOV R0, R1</a:t>
+              <a:t>0x00000000</a:t>
             </a:r>
             <a:r>
               <a:rPr lang="pt-BR" sz="1600" b="0" i="0" dirty="0"/>
-              <a:t> copia o valor de R1 para R0. Pode ser utllizado valor imediato (</a:t>
+              <a:t> a </a:t>
             </a:r>
             <a:r>
               <a:rPr lang="pt-BR" sz="1600" i="0" dirty="0">
@@ -8442,11 +8532,11 @@
                 <a:latin typeface="Courier New" panose="02070309020205020404" pitchFamily="49" charset="0"/>
                 <a:cs typeface="Courier New" panose="02070309020205020404" pitchFamily="49" charset="0"/>
               </a:rPr>
-              <a:t>MOV R0, #123</a:t>
+              <a:t>0xffffffff</a:t>
             </a:r>
             <a:r>
               <a:rPr lang="pt-BR" sz="1600" b="0" i="0" dirty="0"/>
-              <a:t>);</a:t>
+              <a:t>, 32bits);</a:t>
             </a:r>
           </a:p>
           <a:p>
@@ -8458,20 +8548,8 @@
               <a:buChar char="Ø"/>
             </a:pPr>
             <a:r>
-              <a:rPr lang="pt-BR" sz="1600" i="0" dirty="0"/>
-              <a:t>CMP</a:t>
-            </a:r>
-            <a:r>
               <a:rPr lang="pt-BR" sz="1600" b="0" i="0" dirty="0"/>
-              <a:t>: Efetua a diferença entre dois valores, A – B,  alterandos as </a:t>
-            </a:r>
-            <a:r>
-              <a:rPr lang="pt-BR" sz="1600" b="0" dirty="0"/>
-              <a:t>flags</a:t>
-            </a:r>
-            <a:r>
-              <a:rPr lang="pt-BR" sz="1600" b="0" i="0" dirty="0"/>
-              <a:t> tendo em conta o resultado. Por exemplo a instrução </a:t>
+              <a:t>Podemos aceder e transferir com a memória, blocos de dados superiores a 1 byte para optimizar a transferência. Por exemplo, alguns compiladores de C tém uma diretiva (e.g. </a:t>
             </a:r>
             <a:r>
               <a:rPr lang="pt-BR" sz="1600" i="0" dirty="0">
@@ -8481,25 +8559,11 @@
                 <a:latin typeface="Courier New" panose="02070309020205020404" pitchFamily="49" charset="0"/>
                 <a:cs typeface="Courier New" panose="02070309020205020404" pitchFamily="49" charset="0"/>
               </a:rPr>
-              <a:t>CMP R0, R1</a:t>
+              <a:t>“#pragma align(4)</a:t>
             </a:r>
             <a:r>
               <a:rPr lang="pt-BR" sz="1600" b="0" i="0" dirty="0"/>
-              <a:t> faz R0 - R1. Pode ser utllizado valor imediato (</a:t>
-            </a:r>
-            <a:r>
-              <a:rPr lang="pt-BR" sz="1600" i="0" dirty="0">
-                <a:solidFill>
-                  <a:schemeClr val="accent2"/>
-                </a:solidFill>
-                <a:latin typeface="Courier New" panose="02070309020205020404" pitchFamily="49" charset="0"/>
-                <a:cs typeface="Courier New" panose="02070309020205020404" pitchFamily="49" charset="0"/>
-              </a:rPr>
-              <a:t>CMP R0, #123</a:t>
-            </a:r>
-            <a:r>
-              <a:rPr lang="pt-BR" sz="1600" b="0" i="0" dirty="0"/>
-              <a:t>);</a:t>
+              <a:t>”) que permite definir como deve ser feito o alinhamento dos dados complexos de forma a melhorar a eficiência do programas. Numa matriz com dados de 7 Bytes é intruduzido 1 Byte “vázio” no fim de cada elemento para ficar com 8 Bytes no total (alinhamento de 4).</a:t>
             </a:r>
           </a:p>
           <a:p>
@@ -8511,115 +8575,16 @@
               <a:buChar char="Ø"/>
             </a:pPr>
             <a:r>
-              <a:rPr lang="pt-BR" sz="1600" i="0" dirty="0"/>
-              <a:t>ADD</a:t>
-            </a:r>
-            <a:r>
               <a:rPr lang="pt-BR" sz="1600" b="0" i="0" dirty="0"/>
-              <a:t>: Adiciona o valor do segundo operando e do terceiro, colocando a soma no primeiro operando. Por exemplo, a instrução </a:t>
-            </a:r>
-            <a:r>
-              <a:rPr lang="pt-BR" sz="1600" i="0" dirty="0">
-                <a:solidFill>
-                  <a:schemeClr val="accent2"/>
-                </a:solidFill>
-                <a:latin typeface="Courier New" panose="02070309020205020404" pitchFamily="49" charset="0"/>
-                <a:cs typeface="Courier New" panose="02070309020205020404" pitchFamily="49" charset="0"/>
-              </a:rPr>
-              <a:t>ADD R0, R1, R2</a:t>
+              <a:t>No caso do ARMv7 o alinhamento é feito com 32bit/4Bytes. Se tentar-mos alterar esta situação, o assemblador pode apresentar erros na “assemblagem” do código fonte </a:t>
+            </a:r>
+            <a:r>
+              <a:rPr lang="pt-BR" sz="1600" b="0" dirty="0"/>
+              <a:t>assembly</a:t>
             </a:r>
             <a:r>
               <a:rPr lang="pt-BR" sz="1600" b="0" i="0" dirty="0"/>
-              <a:t> coloca em R0 a soma dos valores de R1 e R2. Pode ser utllizado valor imediato (</a:t>
-            </a:r>
-            <a:r>
-              <a:rPr lang="pt-BR" sz="1600" i="0" dirty="0">
-                <a:solidFill>
-                  <a:schemeClr val="accent2"/>
-                </a:solidFill>
-                <a:latin typeface="Courier New" panose="02070309020205020404" pitchFamily="49" charset="0"/>
-                <a:cs typeface="Courier New" panose="02070309020205020404" pitchFamily="49" charset="0"/>
-              </a:rPr>
-              <a:t>ADD R0, R1, #123</a:t>
-            </a:r>
-            <a:r>
-              <a:rPr lang="pt-BR" sz="1600" b="0" i="0" dirty="0"/>
-              <a:t>);</a:t>
-            </a:r>
-          </a:p>
-          <a:p>
-            <a:pPr marL="357188" lvl="1" indent="-177800" algn="just" defTabSz="624078">
-              <a:lnSpc>
-                <a:spcPct val="120000"/>
-              </a:lnSpc>
-              <a:buFont typeface="Wingdings" pitchFamily="2" charset="2"/>
-              <a:buChar char="Ø"/>
-            </a:pPr>
-            <a:r>
-              <a:rPr lang="pt-BR" sz="1600" i="0" dirty="0"/>
-              <a:t>SUB</a:t>
-            </a:r>
-            <a:r>
-              <a:rPr lang="pt-BR" sz="1600" b="0" i="0" dirty="0"/>
-              <a:t>: Semelhante ao </a:t>
-            </a:r>
-            <a:r>
-              <a:rPr lang="pt-BR" sz="1600" i="0" dirty="0"/>
-              <a:t>ADD</a:t>
-            </a:r>
-            <a:r>
-              <a:rPr lang="pt-BR" sz="1600" b="0" i="0" dirty="0"/>
-              <a:t> mas para a subtração;</a:t>
-            </a:r>
-          </a:p>
-          <a:p>
-            <a:pPr marL="357188" lvl="1" indent="-177800" algn="just" defTabSz="624078">
-              <a:lnSpc>
-                <a:spcPct val="120000"/>
-              </a:lnSpc>
-              <a:buFont typeface="Wingdings" pitchFamily="2" charset="2"/>
-              <a:buChar char="Ø"/>
-            </a:pPr>
-            <a:r>
-              <a:rPr lang="pt-BR" sz="1600" i="0" dirty="0"/>
-              <a:t>ADC</a:t>
-            </a:r>
-            <a:r>
-              <a:rPr lang="pt-BR" sz="1600" b="0" i="0" dirty="0"/>
-              <a:t>: Como o ADD mas também adicina a </a:t>
-            </a:r>
-            <a:r>
-              <a:rPr lang="pt-BR" sz="1600" b="0" dirty="0"/>
-              <a:t>flag</a:t>
-            </a:r>
-            <a:r>
-              <a:rPr lang="pt-BR" sz="1600" b="0" i="0" dirty="0"/>
-              <a:t> de carry;</a:t>
-            </a:r>
-          </a:p>
-          <a:p>
-            <a:pPr marL="357188" lvl="1" indent="-177800" algn="just" defTabSz="624078">
-              <a:lnSpc>
-                <a:spcPct val="120000"/>
-              </a:lnSpc>
-              <a:buFont typeface="Wingdings" pitchFamily="2" charset="2"/>
-              <a:buChar char="Ø"/>
-            </a:pPr>
-            <a:r>
-              <a:rPr lang="pt-BR" sz="1600" i="0" dirty="0"/>
-              <a:t>SBC</a:t>
-            </a:r>
-            <a:r>
-              <a:rPr lang="pt-BR" sz="1600" b="0" i="0" dirty="0"/>
-              <a:t>: Semelhante ao </a:t>
-            </a:r>
-            <a:r>
-              <a:rPr lang="pt-BR" sz="1600" i="0" dirty="0"/>
-              <a:t>ADC</a:t>
-            </a:r>
-            <a:r>
-              <a:rPr lang="pt-BR" sz="1600" b="0" i="0" dirty="0"/>
-              <a:t> mas para a subtração;</a:t>
+              <a:t> para código máquina.</a:t>
             </a:r>
           </a:p>
         </p:txBody>
@@ -8627,7 +8592,7 @@
     </p:spTree>
     <p:extLst>
       <p:ext uri="{BB962C8B-B14F-4D97-AF65-F5344CB8AC3E}">
-        <p14:creationId xmlns:p14="http://schemas.microsoft.com/office/powerpoint/2010/main" val="290931423"/>
+        <p14:creationId xmlns:p14="http://schemas.microsoft.com/office/powerpoint/2010/main" val="1574307496"/>
       </p:ext>
     </p:extLst>
   </p:cSld>
@@ -8847,7 +8812,7 @@
                 </a:solidFill>
                 <a:latin typeface="Arial" charset="0"/>
               </a:rPr>
-              <a:t>Instruções ARMv7</a:t>
+              <a:t>Assembler, Assembly, Código Máquina</a:t>
             </a:r>
             <a:endParaRPr lang="pt-PT" sz="1600" b="1" i="1" cap="small" dirty="0">
               <a:solidFill>
@@ -8875,7 +8840,7 @@
         <p:spPr bwMode="auto">
           <a:xfrm>
             <a:off x="540000" y="841276"/>
-            <a:ext cx="8424488" cy="2173403"/>
+            <a:ext cx="8424488" cy="3946196"/>
           </a:xfrm>
           <a:prstGeom prst="rect">
             <a:avLst/>
@@ -8902,7 +8867,7 @@
             </a:pPr>
             <a:r>
               <a:rPr lang="pt-BR" sz="2000" b="0" i="0" dirty="0"/>
-              <a:t>Instruções da arquitetura ARM:</a:t>
+              <a:t>Modo Thumb da Arquitetura ARM:</a:t>
             </a:r>
           </a:p>
           <a:p>
@@ -8914,20 +8879,16 @@
               <a:buChar char="Ø"/>
             </a:pPr>
             <a:r>
-              <a:rPr lang="pt-BR" sz="1600" i="0" dirty="0"/>
-              <a:t>AND</a:t>
-            </a:r>
-            <a:r>
               <a:rPr lang="pt-BR" sz="1600" b="0" i="0" dirty="0"/>
-              <a:t>: Efetua a operação lógica “E” </a:t>
+              <a:t>Por uma questão eficiência na “rapidez” da execução de código e indiretamente no consumo de energia, a arquitetura ARM implemente dois </a:t>
             </a:r>
             <a:r>
               <a:rPr lang="pt-BR" sz="1600" b="0" dirty="0"/>
-              <a:t>bitwise</a:t>
+              <a:t>Instrunctions Sets</a:t>
             </a:r>
             <a:r>
               <a:rPr lang="pt-BR" sz="1600" b="0" i="0" dirty="0"/>
-              <a:t> do segundo operando e do terceiro, colocando o resultado no primeiro. Por exemplo a instrução </a:t>
+              <a:t> com a mesma mnemónica (e.g. </a:t>
             </a:r>
             <a:r>
               <a:rPr lang="pt-BR" sz="1600" i="0" dirty="0">
@@ -8937,25 +8898,19 @@
                 <a:latin typeface="Courier New" panose="02070309020205020404" pitchFamily="49" charset="0"/>
                 <a:cs typeface="Courier New" panose="02070309020205020404" pitchFamily="49" charset="0"/>
               </a:rPr>
-              <a:t>AND R0, R1, R2</a:t>
+              <a:t>MOV R0, R1</a:t>
             </a:r>
             <a:r>
               <a:rPr lang="pt-BR" sz="1600" b="0" i="0" dirty="0"/>
-              <a:t> coloca em R0 o resultado do “E” dos valores de R1 e R2. Pode ser utllizado valor imediato (</a:t>
-            </a:r>
-            <a:r>
-              <a:rPr lang="pt-BR" sz="1600" i="0" dirty="0">
-                <a:solidFill>
-                  <a:schemeClr val="accent2"/>
-                </a:solidFill>
-                <a:latin typeface="Courier New" panose="02070309020205020404" pitchFamily="49" charset="0"/>
-                <a:cs typeface="Courier New" panose="02070309020205020404" pitchFamily="49" charset="0"/>
-              </a:rPr>
-              <a:t>AND R0, R1, #123</a:t>
+              <a:t>), no entanto uma é representada em código máquina de 16bit (</a:t>
+            </a:r>
+            <a:r>
+              <a:rPr lang="pt-BR" sz="1600" b="0" dirty="0"/>
+              <a:t>Thumb</a:t>
             </a:r>
             <a:r>
               <a:rPr lang="pt-BR" sz="1600" b="0" i="0" dirty="0"/>
-              <a:t>);</a:t>
+              <a:t>) e a outra em 32bit, a regular;</a:t>
             </a:r>
           </a:p>
           <a:p>
@@ -8967,20 +8922,8 @@
               <a:buChar char="Ø"/>
             </a:pPr>
             <a:r>
-              <a:rPr lang="pt-BR" sz="1600" i="0" dirty="0"/>
-              <a:t>ORR</a:t>
-            </a:r>
-            <a:r>
               <a:rPr lang="pt-BR" sz="1600" b="0" i="0" dirty="0"/>
-              <a:t>: Semelhante ao </a:t>
-            </a:r>
-            <a:r>
-              <a:rPr lang="pt-BR" sz="1600" i="0" dirty="0"/>
-              <a:t>AND</a:t>
-            </a:r>
-            <a:r>
-              <a:rPr lang="pt-BR" sz="1600" b="0" i="0" dirty="0"/>
-              <a:t> mas para a operação lógica “OU inclusívo);</a:t>
+              <a:t>O modo Thumb é mais eficiente (mais rápido, só 16bit na instrução) e com menos consumo de energia, no entanto a programabilidade é reduzida, pois temos menos bits para representar informação e opções da instrução. Por exemplo em modo Thumb só podemos utilizar os registos de R0 a R7. </a:t>
             </a:r>
           </a:p>
           <a:p>
@@ -8992,20 +8935,8 @@
               <a:buChar char="Ø"/>
             </a:pPr>
             <a:r>
-              <a:rPr lang="pt-BR" sz="1600" i="0" dirty="0"/>
-              <a:t>EOR</a:t>
-            </a:r>
-            <a:r>
               <a:rPr lang="pt-BR" sz="1600" b="0" i="0" dirty="0"/>
-              <a:t>: Semelhante ao </a:t>
-            </a:r>
-            <a:r>
-              <a:rPr lang="pt-BR" sz="1600" i="0" dirty="0"/>
-              <a:t>ORR</a:t>
-            </a:r>
-            <a:r>
-              <a:rPr lang="pt-BR" sz="1600" b="0" i="0" dirty="0"/>
-              <a:t> mas para a operação lógica “OU exclusívo”;</a:t>
+              <a:t>Para mudar para o modo Thumb temos que utlizar um salto (e.g, BX CODETHUMB) para uma posição/endereço de mémóra impar (bit LSB, bit de ordem 0, com “1”). Podemos regressar ao modo normal com um salto para o código de 32bit numa posição par (bit LSB, bit de ordem 0, com “0”).</a:t>
             </a:r>
           </a:p>
         </p:txBody>
@@ -9013,7 +8944,7 @@
     </p:spTree>
     <p:extLst>
       <p:ext uri="{BB962C8B-B14F-4D97-AF65-F5344CB8AC3E}">
-        <p14:creationId xmlns:p14="http://schemas.microsoft.com/office/powerpoint/2010/main" val="2926593477"/>
+        <p14:creationId xmlns:p14="http://schemas.microsoft.com/office/powerpoint/2010/main" val="4081491891"/>
       </p:ext>
     </p:extLst>
   </p:cSld>
@@ -9261,7 +9192,7 @@
         <p:spPr bwMode="auto">
           <a:xfrm>
             <a:off x="540000" y="841276"/>
-            <a:ext cx="8424488" cy="3650731"/>
+            <a:ext cx="8424488" cy="3946196"/>
           </a:xfrm>
           <a:prstGeom prst="rect">
             <a:avLst/>
@@ -9301,11 +9232,11 @@
             </a:pPr>
             <a:r>
               <a:rPr lang="pt-BR" sz="1600" i="0" dirty="0"/>
-              <a:t>ADR </a:t>
+              <a:t>MOV</a:t>
             </a:r>
             <a:r>
               <a:rPr lang="pt-BR" sz="1600" b="0" i="0" dirty="0"/>
-              <a:t>(pseudo instrução): Coloca um valor integral (32bit) num registo. É uma pseudo instrução pois produz várias instruções de código máquina para realizar o pretendido. Por exemplo, a instrução </a:t>
+              <a:t>: Copía (não move) valor do segundo operando para o primeiro. Por exemplo a instrução </a:t>
             </a:r>
             <a:r>
               <a:rPr lang="pt-BR" sz="1600" i="0" dirty="0">
@@ -9315,11 +9246,25 @@
                 <a:latin typeface="Courier New" panose="02070309020205020404" pitchFamily="49" charset="0"/>
                 <a:cs typeface="Courier New" panose="02070309020205020404" pitchFamily="49" charset="0"/>
               </a:rPr>
-              <a:t>ADR R0, VALOR</a:t>
+              <a:t>MOV R0, R1</a:t>
             </a:r>
             <a:r>
               <a:rPr lang="pt-BR" sz="1600" b="0" i="0" dirty="0"/>
-              <a:t> coloca em R0 o valor de 32bit representado pelo símbolo VALOR;</a:t>
+              <a:t> copia o valor de R1 para R0. Pode ser utllizado valor imediato (</a:t>
+            </a:r>
+            <a:r>
+              <a:rPr lang="pt-BR" sz="1600" i="0" dirty="0">
+                <a:solidFill>
+                  <a:schemeClr val="accent2"/>
+                </a:solidFill>
+                <a:latin typeface="Courier New" panose="02070309020205020404" pitchFamily="49" charset="0"/>
+                <a:cs typeface="Courier New" panose="02070309020205020404" pitchFamily="49" charset="0"/>
+              </a:rPr>
+              <a:t>MOV R0, #123</a:t>
+            </a:r>
+            <a:r>
+              <a:rPr lang="pt-BR" sz="1600" b="0" i="0" dirty="0"/>
+              <a:t>);</a:t>
             </a:r>
           </a:p>
           <a:p>
@@ -9332,35 +9277,19 @@
             </a:pPr>
             <a:r>
               <a:rPr lang="pt-BR" sz="1600" i="0" dirty="0"/>
-              <a:t>LDR</a:t>
+              <a:t>CMP</a:t>
             </a:r>
             <a:r>
               <a:rPr lang="pt-BR" sz="1600" b="0" i="0" dirty="0"/>
-              <a:t> (pseudo instrução): Coloca um valor integral (32bit) num registo. Semelhante ao </a:t>
-            </a:r>
-            <a:r>
-              <a:rPr lang="pt-BR" sz="1600" i="0" dirty="0"/>
-              <a:t>ASR</a:t>
+              <a:t>: Efetua a diferença entre dois valores, A – B,  alterandos as </a:t>
+            </a:r>
+            <a:r>
+              <a:rPr lang="pt-BR" sz="1600" b="0" dirty="0"/>
+              <a:t>flags</a:t>
             </a:r>
             <a:r>
               <a:rPr lang="pt-BR" sz="1600" b="0" i="0" dirty="0"/>
-              <a:t> mas para operações mais complexas com multiplos operandos e variações, priciplamente utilizando resgistos como referência (endereço/ponteiro). Quando utilizado no formato com valor literal, em vez de o valor ser precedido pelo carater “</a:t>
-            </a:r>
-            <a:r>
-              <a:rPr lang="pt-BR" sz="1600" i="0" dirty="0"/>
-              <a:t>#</a:t>
-            </a:r>
-            <a:r>
-              <a:rPr lang="pt-BR" sz="1600" b="0" i="0" dirty="0"/>
-              <a:t>” deve ser utilizado o “</a:t>
-            </a:r>
-            <a:r>
-              <a:rPr lang="pt-BR" sz="1600" i="0" dirty="0"/>
-              <a:t>=</a:t>
-            </a:r>
-            <a:r>
-              <a:rPr lang="pt-BR" sz="1600" b="0" i="0" dirty="0"/>
-              <a:t>” (não imediato). Exemplo: </a:t>
+              <a:t> tendo em conta o resultado. Por exemplo a instrução </a:t>
             </a:r>
             <a:r>
               <a:rPr lang="pt-BR" sz="1600" i="0" dirty="0">
@@ -9370,11 +9299,25 @@
                 <a:latin typeface="Courier New" panose="02070309020205020404" pitchFamily="49" charset="0"/>
                 <a:cs typeface="Courier New" panose="02070309020205020404" pitchFamily="49" charset="0"/>
               </a:rPr>
-              <a:t>LDR R0, =VALOR</a:t>
+              <a:t>CMP R0, R1</a:t>
             </a:r>
             <a:r>
               <a:rPr lang="pt-BR" sz="1600" b="0" i="0" dirty="0"/>
-              <a:t> ;   </a:t>
+              <a:t> faz R0 - R1. Pode ser utllizado valor imediato (</a:t>
+            </a:r>
+            <a:r>
+              <a:rPr lang="pt-BR" sz="1600" i="0" dirty="0">
+                <a:solidFill>
+                  <a:schemeClr val="accent2"/>
+                </a:solidFill>
+                <a:latin typeface="Courier New" panose="02070309020205020404" pitchFamily="49" charset="0"/>
+                <a:cs typeface="Courier New" panose="02070309020205020404" pitchFamily="49" charset="0"/>
+              </a:rPr>
+              <a:t>CMP R0, #123</a:t>
+            </a:r>
+            <a:r>
+              <a:rPr lang="pt-BR" sz="1600" b="0" i="0" dirty="0"/>
+              <a:t>);</a:t>
             </a:r>
           </a:p>
           <a:p>
@@ -9387,27 +9330,114 @@
             </a:pPr>
             <a:r>
               <a:rPr lang="pt-BR" sz="1600" i="0" dirty="0"/>
-              <a:t>STR</a:t>
+              <a:t>ADD</a:t>
             </a:r>
             <a:r>
               <a:rPr lang="pt-BR" sz="1600" b="0" i="0" dirty="0"/>
-              <a:t> (pseudo instrução): Semelhante ao </a:t>
-            </a:r>
-            <a:r>
-              <a:rPr lang="pt-BR" sz="1600" i="0" dirty="0"/>
-              <a:t>LDR</a:t>
+              <a:t>: Adiciona o valor do segundo operando e do terceiro, colocando a soma no primeiro operando. Por exemplo, a instrução </a:t>
+            </a:r>
+            <a:r>
+              <a:rPr lang="pt-BR" sz="1600" i="0" dirty="0">
+                <a:solidFill>
+                  <a:schemeClr val="accent2"/>
+                </a:solidFill>
+                <a:latin typeface="Courier New" panose="02070309020205020404" pitchFamily="49" charset="0"/>
+                <a:cs typeface="Courier New" panose="02070309020205020404" pitchFamily="49" charset="0"/>
+              </a:rPr>
+              <a:t>ADD R0, R1, R2</a:t>
             </a:r>
             <a:r>
               <a:rPr lang="pt-BR" sz="1600" b="0" i="0" dirty="0"/>
-              <a:t> mas de um registo para memória (sentido inverso de transferência do </a:t>
-            </a:r>
-            <a:r>
-              <a:rPr lang="pt-BR" sz="1600" i="0" dirty="0"/>
-              <a:t>LDR</a:t>
+              <a:t> coloca em R0 a soma dos valores de R1 e R2. Pode ser utllizado valor imediato (</a:t>
+            </a:r>
+            <a:r>
+              <a:rPr lang="pt-BR" sz="1600" i="0" dirty="0">
+                <a:solidFill>
+                  <a:schemeClr val="accent2"/>
+                </a:solidFill>
+                <a:latin typeface="Courier New" panose="02070309020205020404" pitchFamily="49" charset="0"/>
+                <a:cs typeface="Courier New" panose="02070309020205020404" pitchFamily="49" charset="0"/>
+              </a:rPr>
+              <a:t>ADD R0, R1, #123</a:t>
             </a:r>
             <a:r>
               <a:rPr lang="pt-BR" sz="1600" b="0" i="0" dirty="0"/>
               <a:t>);</a:t>
+            </a:r>
+          </a:p>
+          <a:p>
+            <a:pPr marL="357188" lvl="1" indent="-177800" algn="just" defTabSz="624078">
+              <a:lnSpc>
+                <a:spcPct val="120000"/>
+              </a:lnSpc>
+              <a:buFont typeface="Wingdings" pitchFamily="2" charset="2"/>
+              <a:buChar char="Ø"/>
+            </a:pPr>
+            <a:r>
+              <a:rPr lang="pt-BR" sz="1600" i="0" dirty="0"/>
+              <a:t>SUB</a:t>
+            </a:r>
+            <a:r>
+              <a:rPr lang="pt-BR" sz="1600" b="0" i="0" dirty="0"/>
+              <a:t>: Semelhante ao </a:t>
+            </a:r>
+            <a:r>
+              <a:rPr lang="pt-BR" sz="1600" i="0" dirty="0"/>
+              <a:t>ADD</a:t>
+            </a:r>
+            <a:r>
+              <a:rPr lang="pt-BR" sz="1600" b="0" i="0" dirty="0"/>
+              <a:t> mas para a subtração;</a:t>
+            </a:r>
+          </a:p>
+          <a:p>
+            <a:pPr marL="357188" lvl="1" indent="-177800" algn="just" defTabSz="624078">
+              <a:lnSpc>
+                <a:spcPct val="120000"/>
+              </a:lnSpc>
+              <a:buFont typeface="Wingdings" pitchFamily="2" charset="2"/>
+              <a:buChar char="Ø"/>
+            </a:pPr>
+            <a:r>
+              <a:rPr lang="pt-BR" sz="1600" i="0" dirty="0"/>
+              <a:t>ADC</a:t>
+            </a:r>
+            <a:r>
+              <a:rPr lang="pt-BR" sz="1600" b="0" i="0" dirty="0"/>
+              <a:t>: Como o ADD mas também adicina a </a:t>
+            </a:r>
+            <a:r>
+              <a:rPr lang="pt-BR" sz="1600" b="0" dirty="0"/>
+              <a:t>flag</a:t>
+            </a:r>
+            <a:r>
+              <a:rPr lang="pt-BR" sz="1600" b="0" i="0" dirty="0"/>
+              <a:t> de carry;</a:t>
+            </a:r>
+          </a:p>
+          <a:p>
+            <a:pPr marL="357188" lvl="1" indent="-177800" algn="just" defTabSz="624078">
+              <a:lnSpc>
+                <a:spcPct val="120000"/>
+              </a:lnSpc>
+              <a:buFont typeface="Wingdings" pitchFamily="2" charset="2"/>
+              <a:buChar char="Ø"/>
+            </a:pPr>
+            <a:r>
+              <a:rPr lang="pt-BR" sz="1600" i="0" dirty="0"/>
+              <a:t>SBC</a:t>
+            </a:r>
+            <a:r>
+              <a:rPr lang="pt-BR" sz="1600" b="0" i="0" dirty="0"/>
+              <a:t>: Semelhante ao </a:t>
+            </a:r>
+            <a:r>
+              <a:rPr lang="pt-BR" sz="1600" i="0" dirty="0"/>
+              <a:t>ADC</a:t>
+            </a:r>
+            <a:r>
+              <a:rPr lang="pt-BR" sz="1600" b="0" i="0" dirty="0"/>
+              <a:t> mas para a subtração;</a:t>
             </a:r>
           </a:p>
         </p:txBody>
@@ -9415,7 +9445,7 @@
     </p:spTree>
     <p:extLst>
       <p:ext uri="{BB962C8B-B14F-4D97-AF65-F5344CB8AC3E}">
-        <p14:creationId xmlns:p14="http://schemas.microsoft.com/office/powerpoint/2010/main" val="475298299"/>
+        <p14:creationId xmlns:p14="http://schemas.microsoft.com/office/powerpoint/2010/main" val="290931423"/>
       </p:ext>
     </p:extLst>
   </p:cSld>
@@ -9635,7 +9665,7 @@
                 </a:solidFill>
                 <a:latin typeface="Arial" charset="0"/>
               </a:rPr>
-              <a:t>Assembler, Assembly, Código Máquina</a:t>
+              <a:t>Instruções ARMv7</a:t>
             </a:r>
             <a:endParaRPr lang="pt-PT" sz="1600" b="1" i="1" cap="small" dirty="0">
               <a:solidFill>
@@ -9663,7 +9693,7 @@
         <p:spPr bwMode="auto">
           <a:xfrm>
             <a:off x="540000" y="841276"/>
-            <a:ext cx="8424488" cy="4241662"/>
+            <a:ext cx="8424488" cy="2173403"/>
           </a:xfrm>
           <a:prstGeom prst="rect">
             <a:avLst/>
@@ -9703,27 +9733,19 @@
             </a:pPr>
             <a:r>
               <a:rPr lang="pt-BR" sz="1600" i="0" dirty="0"/>
-              <a:t>B</a:t>
+              <a:t>AND</a:t>
             </a:r>
             <a:r>
               <a:rPr lang="pt-BR" sz="1600" b="0" i="0" dirty="0"/>
-              <a:t>: Salta sempre para o argumento indicado. Por uma questão de alinhamento de texto (</a:t>
+              <a:t>: Efetua a operação lógica “E” </a:t>
             </a:r>
             <a:r>
               <a:rPr lang="pt-BR" sz="1600" b="0" dirty="0"/>
-              <a:t>assembly</a:t>
+              <a:t>bitwise</a:t>
             </a:r>
             <a:r>
               <a:rPr lang="pt-BR" sz="1600" b="0" i="0" dirty="0"/>
-              <a:t>) podes utlizada a mnemónica </a:t>
-            </a:r>
-            <a:r>
-              <a:rPr lang="pt-BR" sz="1600" i="0" dirty="0"/>
-              <a:t>BAL</a:t>
-            </a:r>
-            <a:r>
-              <a:rPr lang="pt-BR" sz="1600" b="0" i="0" dirty="0"/>
-              <a:t>. Por exemplo a instrução </a:t>
+              <a:t> do segundo operando e do terceiro, colocando o resultado no primeiro. Por exemplo a instrução </a:t>
             </a:r>
             <a:r>
               <a:rPr lang="pt-BR" sz="1600" i="0" dirty="0">
@@ -9733,11 +9755,11 @@
                 <a:latin typeface="Courier New" panose="02070309020205020404" pitchFamily="49" charset="0"/>
                 <a:cs typeface="Courier New" panose="02070309020205020404" pitchFamily="49" charset="0"/>
               </a:rPr>
-              <a:t>BAL FIM</a:t>
+              <a:t>AND R0, R1, R2</a:t>
             </a:r>
             <a:r>
               <a:rPr lang="pt-BR" sz="1600" b="0" i="0" dirty="0"/>
-              <a:t> salta para o endereço representado pelo símbolo FIM e extamente o mesmo código máquina de </a:t>
+              <a:t> coloca em R0 o resultado do “E” dos valores de R1 e R2. Pode ser utllizado valor imediato (</a:t>
             </a:r>
             <a:r>
               <a:rPr lang="pt-BR" sz="1600" i="0" dirty="0">
@@ -9747,11 +9769,11 @@
                 <a:latin typeface="Courier New" panose="02070309020205020404" pitchFamily="49" charset="0"/>
                 <a:cs typeface="Courier New" panose="02070309020205020404" pitchFamily="49" charset="0"/>
               </a:rPr>
-              <a:t>B FIM</a:t>
+              <a:t>AND R0, R1, #123</a:t>
             </a:r>
             <a:r>
               <a:rPr lang="pt-BR" sz="1600" b="0" i="0" dirty="0"/>
-              <a:t>;</a:t>
+              <a:t>);</a:t>
             </a:r>
           </a:p>
           <a:p>
@@ -9764,19 +9786,19 @@
             </a:pPr>
             <a:r>
               <a:rPr lang="pt-BR" sz="1600" i="0" dirty="0"/>
-              <a:t>BEQ</a:t>
+              <a:t>ORR</a:t>
             </a:r>
             <a:r>
               <a:rPr lang="pt-BR" sz="1600" b="0" i="0" dirty="0"/>
-              <a:t>: Salto condicional caso o resultado da instrução anterior, nomalmente comparação ou aritemética, seja zero (a </a:t>
-            </a:r>
-            <a:r>
-              <a:rPr lang="pt-BR" sz="1600" b="0" dirty="0"/>
-              <a:t>flag</a:t>
+              <a:t>: Semelhante ao </a:t>
+            </a:r>
+            <a:r>
+              <a:rPr lang="pt-BR" sz="1600" i="0" dirty="0"/>
+              <a:t>AND</a:t>
             </a:r>
             <a:r>
               <a:rPr lang="pt-BR" sz="1600" b="0" i="0" dirty="0"/>
-              <a:t> de zero com “1”). Não existe uma mnemónica BZE por exemplo se quisermos testar se o resulatdo é zero de um decremento ou operação lógica. É possível utilizar BEQ, mesmo não se pretenda testar a igualdade pois o resultado é o memso;</a:t>
+              <a:t> mas para a operação lógica “OU inclusívo);</a:t>
             </a:r>
           </a:p>
           <a:p>
@@ -9789,69 +9811,19 @@
             </a:pPr>
             <a:r>
               <a:rPr lang="pt-BR" sz="1600" i="0" dirty="0"/>
-              <a:t>BNE</a:t>
+              <a:t>EOR</a:t>
             </a:r>
             <a:r>
               <a:rPr lang="pt-BR" sz="1600" b="0" i="0" dirty="0"/>
-              <a:t>: Semelhante a BEQ mas no caso contrário (</a:t>
-            </a:r>
-            <a:r>
-              <a:rPr lang="pt-BR" sz="1600" b="0" dirty="0"/>
-              <a:t>flag</a:t>
+              <a:t>: Semelhante ao </a:t>
+            </a:r>
+            <a:r>
+              <a:rPr lang="pt-BR" sz="1600" i="0" dirty="0"/>
+              <a:t>ORR</a:t>
             </a:r>
             <a:r>
               <a:rPr lang="pt-BR" sz="1600" b="0" i="0" dirty="0"/>
-              <a:t> de zero com “0”). Não existe uma variante BNZ;</a:t>
-            </a:r>
-          </a:p>
-          <a:p>
-            <a:pPr marL="357188" lvl="1" indent="-177800" algn="just" defTabSz="624078">
-              <a:lnSpc>
-                <a:spcPct val="120000"/>
-              </a:lnSpc>
-              <a:buFont typeface="Wingdings" pitchFamily="2" charset="2"/>
-              <a:buChar char="Ø"/>
-            </a:pPr>
-            <a:r>
-              <a:rPr lang="pt-BR" sz="1600" i="0" dirty="0"/>
-              <a:t>BPL</a:t>
-            </a:r>
-            <a:r>
-              <a:rPr lang="pt-BR" sz="1600" b="0" i="0" dirty="0"/>
-              <a:t>: Semelhante a BEQ mas para cima na comparação (A &gt; B) (</a:t>
-            </a:r>
-            <a:r>
-              <a:rPr lang="pt-BR" sz="1600" b="0" dirty="0"/>
-              <a:t>flag</a:t>
-            </a:r>
-            <a:r>
-              <a:rPr lang="pt-BR" sz="1600" b="0" i="0" dirty="0"/>
-              <a:t> de sinal com “0”);</a:t>
-            </a:r>
-          </a:p>
-          <a:p>
-            <a:pPr marL="357188" lvl="1" indent="-177800" algn="just" defTabSz="624078">
-              <a:lnSpc>
-                <a:spcPct val="120000"/>
-              </a:lnSpc>
-              <a:buFont typeface="Wingdings" pitchFamily="2" charset="2"/>
-              <a:buChar char="Ø"/>
-            </a:pPr>
-            <a:r>
-              <a:rPr lang="pt-BR" sz="1600" i="0" dirty="0"/>
-              <a:t>BMI</a:t>
-            </a:r>
-            <a:r>
-              <a:rPr lang="pt-BR" sz="1600" b="0" i="0" dirty="0"/>
-              <a:t>: Semelhante a BPL mas para baixo na comparação (A &lt; B) (</a:t>
-            </a:r>
-            <a:r>
-              <a:rPr lang="pt-BR" sz="1600" b="0" dirty="0"/>
-              <a:t>flag</a:t>
-            </a:r>
-            <a:r>
-              <a:rPr lang="pt-BR" sz="1600" b="0" i="0" dirty="0"/>
-              <a:t> de sinal com “1”);</a:t>
+              <a:t> mas para a operação lógica “OU exclusívo”;</a:t>
             </a:r>
           </a:p>
         </p:txBody>
@@ -9859,7 +9831,7 @@
     </p:spTree>
     <p:extLst>
       <p:ext uri="{BB962C8B-B14F-4D97-AF65-F5344CB8AC3E}">
-        <p14:creationId xmlns:p14="http://schemas.microsoft.com/office/powerpoint/2010/main" val="1483180503"/>
+        <p14:creationId xmlns:p14="http://schemas.microsoft.com/office/powerpoint/2010/main" val="2926593477"/>
       </p:ext>
     </p:extLst>
   </p:cSld>
@@ -10079,7 +10051,7 @@
                 </a:solidFill>
                 <a:latin typeface="Arial" charset="0"/>
               </a:rPr>
-              <a:t>Assembler, Assembly, Código Máquina</a:t>
+              <a:t>Instruções ARMv7</a:t>
             </a:r>
             <a:endParaRPr lang="pt-PT" sz="1600" b="1" i="1" cap="small" dirty="0">
               <a:solidFill>
@@ -10107,7 +10079,7 @@
         <p:spPr bwMode="auto">
           <a:xfrm>
             <a:off x="540000" y="841276"/>
-            <a:ext cx="8424488" cy="2764334"/>
+            <a:ext cx="8424488" cy="3650731"/>
           </a:xfrm>
           <a:prstGeom prst="rect">
             <a:avLst/>
@@ -10147,19 +10119,11 @@
             </a:pPr>
             <a:r>
               <a:rPr lang="pt-BR" sz="1600" i="0" dirty="0"/>
-              <a:t>EQU</a:t>
+              <a:t>ADR </a:t>
             </a:r>
             <a:r>
               <a:rPr lang="pt-BR" sz="1600" b="0" i="0" dirty="0"/>
-              <a:t> (pseudo instrução): Instrução para o </a:t>
-            </a:r>
-            <a:r>
-              <a:rPr lang="pt-BR" sz="1600" b="0" dirty="0"/>
-              <a:t>assembler</a:t>
-            </a:r>
-            <a:r>
-              <a:rPr lang="pt-BR" sz="1600" b="0" i="0" dirty="0"/>
-              <a:t>. Faz a equivalencial de um símbolo a um valor literal ou outro simbolo. Exemplo o simbolo MAXIMO é equivalente a 30: </a:t>
+              <a:t>(pseudo instrução): Coloca um valor integral (32bit) num registo. É uma pseudo instrução pois produz várias instruções de código máquina para realizar o pretendido. Por exemplo, a instrução </a:t>
             </a:r>
             <a:r>
               <a:rPr lang="pt-BR" sz="1600" i="0" dirty="0">
@@ -10169,11 +10133,11 @@
                 <a:latin typeface="Courier New" panose="02070309020205020404" pitchFamily="49" charset="0"/>
                 <a:cs typeface="Courier New" panose="02070309020205020404" pitchFamily="49" charset="0"/>
               </a:rPr>
-              <a:t>MAXIMO EQU 30</a:t>
+              <a:t>ADR R0, VALOR</a:t>
             </a:r>
             <a:r>
               <a:rPr lang="pt-BR" sz="1600" b="0" i="0" dirty="0"/>
-              <a:t>. Não produz código máquina mas “mexe” na tabela de símbolos;</a:t>
+              <a:t> coloca em R0 o valor de 32bit representado pelo símbolo VALOR;</a:t>
             </a:r>
           </a:p>
           <a:p>
@@ -10186,19 +10150,49 @@
             </a:pPr>
             <a:r>
               <a:rPr lang="pt-BR" sz="1600" i="0" dirty="0"/>
-              <a:t>DCD</a:t>
+              <a:t>LDR</a:t>
             </a:r>
             <a:r>
               <a:rPr lang="pt-BR" sz="1600" b="0" i="0" dirty="0"/>
-              <a:t> (pseudo instrução): Declara um conjunto de valores na memória. Ocupa a memória com os valores indicados (1 </a:t>
-            </a:r>
-            <a:r>
-              <a:rPr lang="pt-BR" sz="1600" b="0" dirty="0"/>
-              <a:t>word</a:t>
+              <a:t> (pseudo instrução): Coloca um valor integral (32bit) num registo. Semelhante ao </a:t>
+            </a:r>
+            <a:r>
+              <a:rPr lang="pt-BR" sz="1600" i="0" dirty="0"/>
+              <a:t>ASR</a:t>
             </a:r>
             <a:r>
               <a:rPr lang="pt-BR" sz="1600" b="0" i="0" dirty="0"/>
-              <a:t> de 32bits cada) mas não produz código. “Mexe” na tabela de símbolos;</a:t>
+              <a:t> mas para operações mais complexas com multiplos operandos e variações, priciplamente utilizando resgistos como referência (endereço/ponteiro). Quando utilizado no formato com valor literal, em vez de o valor ser precedido pelo carater “</a:t>
+            </a:r>
+            <a:r>
+              <a:rPr lang="pt-BR" sz="1600" i="0" dirty="0"/>
+              <a:t>#</a:t>
+            </a:r>
+            <a:r>
+              <a:rPr lang="pt-BR" sz="1600" b="0" i="0" dirty="0"/>
+              <a:t>” deve ser utilizado o “</a:t>
+            </a:r>
+            <a:r>
+              <a:rPr lang="pt-BR" sz="1600" i="0" dirty="0"/>
+              <a:t>=</a:t>
+            </a:r>
+            <a:r>
+              <a:rPr lang="pt-BR" sz="1600" b="0" i="0" dirty="0"/>
+              <a:t>” (não imediato). Exemplo: </a:t>
+            </a:r>
+            <a:r>
+              <a:rPr lang="pt-BR" sz="1600" i="0" dirty="0">
+                <a:solidFill>
+                  <a:schemeClr val="accent2"/>
+                </a:solidFill>
+                <a:latin typeface="Courier New" panose="02070309020205020404" pitchFamily="49" charset="0"/>
+                <a:cs typeface="Courier New" panose="02070309020205020404" pitchFamily="49" charset="0"/>
+              </a:rPr>
+              <a:t>LDR R0, =VALOR</a:t>
+            </a:r>
+            <a:r>
+              <a:rPr lang="pt-BR" sz="1600" b="0" i="0" dirty="0"/>
+              <a:t> ;   </a:t>
             </a:r>
           </a:p>
           <a:p>
@@ -10211,11 +10205,27 @@
             </a:pPr>
             <a:r>
               <a:rPr lang="pt-BR" sz="1600" i="0" dirty="0"/>
-              <a:t>FILL</a:t>
+              <a:t>STR</a:t>
             </a:r>
             <a:r>
               <a:rPr lang="pt-BR" sz="1600" b="0" i="0" dirty="0"/>
-              <a:t> (pseudo instrução): Reserva um bloco memória para dados utilizados no programa. Não produz código mas “mexe” na tabela de símbolos.</a:t>
+              <a:t> (pseudo instrução): Semelhante ao </a:t>
+            </a:r>
+            <a:r>
+              <a:rPr lang="pt-BR" sz="1600" i="0" dirty="0"/>
+              <a:t>LDR</a:t>
+            </a:r>
+            <a:r>
+              <a:rPr lang="pt-BR" sz="1600" b="0" i="0" dirty="0"/>
+              <a:t> mas de um registo para memória (sentido inverso de transferência do </a:t>
+            </a:r>
+            <a:r>
+              <a:rPr lang="pt-BR" sz="1600" i="0" dirty="0"/>
+              <a:t>LDR</a:t>
+            </a:r>
+            <a:r>
+              <a:rPr lang="pt-BR" sz="1600" b="0" i="0" dirty="0"/>
+              <a:t>);</a:t>
             </a:r>
           </a:p>
         </p:txBody>
@@ -10223,7 +10233,7 @@
     </p:spTree>
     <p:extLst>
       <p:ext uri="{BB962C8B-B14F-4D97-AF65-F5344CB8AC3E}">
-        <p14:creationId xmlns:p14="http://schemas.microsoft.com/office/powerpoint/2010/main" val="3676343047"/>
+        <p14:creationId xmlns:p14="http://schemas.microsoft.com/office/powerpoint/2010/main" val="475298299"/>
       </p:ext>
     </p:extLst>
   </p:cSld>
@@ -10387,6 +10397,1184 @@
       </p:grpSpPr>
       <p:sp>
         <p:nvSpPr>
+          <p:cNvPr id="258050" name="Rectangle 2"/>
+          <p:cNvSpPr>
+            <a:spLocks noGrp="1" noChangeArrowheads="1"/>
+          </p:cNvSpPr>
+          <p:nvPr>
+            <p:ph type="title" idx="4294967295"/>
+          </p:nvPr>
+        </p:nvSpPr>
+        <p:spPr bwMode="auto">
+          <a:xfrm>
+            <a:off x="3006330" y="216959"/>
+            <a:ext cx="5310086" cy="420688"/>
+          </a:xfrm>
+          <a:prstGeom prst="rect">
+            <a:avLst/>
+          </a:prstGeom>
+          <a:noFill/>
+          <a:ln>
+            <a:miter lim="800000"/>
+            <a:headEnd/>
+            <a:tailEnd/>
+          </a:ln>
+        </p:spPr>
+        <p:txBody>
+          <a:bodyPr vert="horz" wrap="square" lIns="71323" tIns="35662" rIns="71323" bIns="35662" numCol="1" anchor="t" anchorCtr="0" compatLnSpc="1">
+            <a:prstTxWarp prst="textNoShape">
+              <a:avLst/>
+            </a:prstTxWarp>
+          </a:bodyPr>
+          <a:lstStyle/>
+          <a:p>
+            <a:pPr algn="r"/>
+            <a:r>
+              <a:rPr lang="pt-PT" sz="1000" b="1" i="1" dirty="0">
+                <a:solidFill>
+                  <a:srgbClr val="FF0000"/>
+                </a:solidFill>
+                <a:latin typeface="Arial" charset="0"/>
+              </a:rPr>
+              <a:t>SCO-T2-A04</a:t>
+            </a:r>
+            <a:br>
+              <a:rPr lang="pt-PT" sz="1000" b="1" i="1" dirty="0">
+                <a:solidFill>
+                  <a:srgbClr val="FF0000"/>
+                </a:solidFill>
+                <a:latin typeface="Arial" charset="0"/>
+              </a:rPr>
+            </a:br>
+            <a:r>
+              <a:rPr lang="pt-PT" sz="1800" b="1" i="1" cap="small" dirty="0">
+                <a:solidFill>
+                  <a:srgbClr val="FF0000"/>
+                </a:solidFill>
+                <a:latin typeface="Arial" charset="0"/>
+              </a:rPr>
+              <a:t>Assembler, Assembly, Código Máquina</a:t>
+            </a:r>
+            <a:endParaRPr lang="pt-PT" sz="1600" b="1" i="1" cap="small" dirty="0">
+              <a:solidFill>
+                <a:srgbClr val="FF0000"/>
+              </a:solidFill>
+              <a:latin typeface="Arial" charset="0"/>
+            </a:endParaRPr>
+          </a:p>
+        </p:txBody>
+      </p:sp>
+      <p:sp>
+        <p:nvSpPr>
+          <p:cNvPr id="20" name="Rectangle 23">
+            <a:extLst>
+              <a:ext uri="{FF2B5EF4-FFF2-40B4-BE49-F238E27FC236}">
+                <a16:creationId xmlns:a16="http://schemas.microsoft.com/office/drawing/2014/main" id="{4E8C842D-166F-4D53-BF52-24DABD48BE83}"/>
+              </a:ext>
+            </a:extLst>
+          </p:cNvPr>
+          <p:cNvSpPr>
+            <a:spLocks noChangeArrowheads="1"/>
+          </p:cNvSpPr>
+          <p:nvPr/>
+        </p:nvSpPr>
+        <p:spPr bwMode="auto">
+          <a:xfrm>
+            <a:off x="540000" y="841276"/>
+            <a:ext cx="8424488" cy="4241662"/>
+          </a:xfrm>
+          <a:prstGeom prst="rect">
+            <a:avLst/>
+          </a:prstGeom>
+          <a:noFill/>
+          <a:ln w="9525">
+            <a:noFill/>
+            <a:miter lim="800000"/>
+            <a:headEnd/>
+            <a:tailEnd/>
+          </a:ln>
+          <a:effectLst/>
+        </p:spPr>
+        <p:txBody>
+          <a:bodyPr wrap="square" lIns="62408" tIns="31204" rIns="62408" bIns="31204">
+            <a:spAutoFit/>
+          </a:bodyPr>
+          <a:lstStyle/>
+          <a:p>
+            <a:pPr algn="l" defTabSz="624078">
+              <a:lnSpc>
+                <a:spcPct val="120000"/>
+              </a:lnSpc>
+            </a:pPr>
+            <a:r>
+              <a:rPr lang="pt-BR" sz="2000" b="0" i="0" dirty="0"/>
+              <a:t>Instruções da arquitetura ARM:</a:t>
+            </a:r>
+          </a:p>
+          <a:p>
+            <a:pPr marL="357188" lvl="1" indent="-177800" algn="just" defTabSz="624078">
+              <a:lnSpc>
+                <a:spcPct val="120000"/>
+              </a:lnSpc>
+              <a:buFont typeface="Wingdings" pitchFamily="2" charset="2"/>
+              <a:buChar char="Ø"/>
+            </a:pPr>
+            <a:r>
+              <a:rPr lang="pt-BR" sz="1600" i="0" dirty="0"/>
+              <a:t>B</a:t>
+            </a:r>
+            <a:r>
+              <a:rPr lang="pt-BR" sz="1600" b="0" i="0" dirty="0"/>
+              <a:t>: Salta sempre para o argumento indicado. Por uma questão de alinhamento de texto (</a:t>
+            </a:r>
+            <a:r>
+              <a:rPr lang="pt-BR" sz="1600" b="0" dirty="0"/>
+              <a:t>assembly</a:t>
+            </a:r>
+            <a:r>
+              <a:rPr lang="pt-BR" sz="1600" b="0" i="0" dirty="0"/>
+              <a:t>) podes utlizada a mnemónica </a:t>
+            </a:r>
+            <a:r>
+              <a:rPr lang="pt-BR" sz="1600" i="0" dirty="0"/>
+              <a:t>BAL</a:t>
+            </a:r>
+            <a:r>
+              <a:rPr lang="pt-BR" sz="1600" b="0" i="0" dirty="0"/>
+              <a:t>. Por exemplo a instrução </a:t>
+            </a:r>
+            <a:r>
+              <a:rPr lang="pt-BR" sz="1600" i="0" dirty="0">
+                <a:solidFill>
+                  <a:schemeClr val="accent2"/>
+                </a:solidFill>
+                <a:latin typeface="Courier New" panose="02070309020205020404" pitchFamily="49" charset="0"/>
+                <a:cs typeface="Courier New" panose="02070309020205020404" pitchFamily="49" charset="0"/>
+              </a:rPr>
+              <a:t>BAL FIM</a:t>
+            </a:r>
+            <a:r>
+              <a:rPr lang="pt-BR" sz="1600" b="0" i="0" dirty="0"/>
+              <a:t> salta para o endereço representado pelo símbolo FIM e extamente o mesmo código máquina de </a:t>
+            </a:r>
+            <a:r>
+              <a:rPr lang="pt-BR" sz="1600" i="0" dirty="0">
+                <a:solidFill>
+                  <a:schemeClr val="accent2"/>
+                </a:solidFill>
+                <a:latin typeface="Courier New" panose="02070309020205020404" pitchFamily="49" charset="0"/>
+                <a:cs typeface="Courier New" panose="02070309020205020404" pitchFamily="49" charset="0"/>
+              </a:rPr>
+              <a:t>B FIM</a:t>
+            </a:r>
+            <a:r>
+              <a:rPr lang="pt-BR" sz="1600" b="0" i="0" dirty="0"/>
+              <a:t>;</a:t>
+            </a:r>
+          </a:p>
+          <a:p>
+            <a:pPr marL="357188" lvl="1" indent="-177800" algn="just" defTabSz="624078">
+              <a:lnSpc>
+                <a:spcPct val="120000"/>
+              </a:lnSpc>
+              <a:buFont typeface="Wingdings" pitchFamily="2" charset="2"/>
+              <a:buChar char="Ø"/>
+            </a:pPr>
+            <a:r>
+              <a:rPr lang="pt-BR" sz="1600" i="0" dirty="0"/>
+              <a:t>BEQ</a:t>
+            </a:r>
+            <a:r>
+              <a:rPr lang="pt-BR" sz="1600" b="0" i="0" dirty="0"/>
+              <a:t>: Salto condicional caso o resultado da instrução anterior, nomalmente comparação ou aritemética, seja zero (a </a:t>
+            </a:r>
+            <a:r>
+              <a:rPr lang="pt-BR" sz="1600" b="0" dirty="0"/>
+              <a:t>flag</a:t>
+            </a:r>
+            <a:r>
+              <a:rPr lang="pt-BR" sz="1600" b="0" i="0" dirty="0"/>
+              <a:t> de zero com “1”). Não existe uma mnemónica BZE por exemplo se quisermos testar se o resulatdo é zero de um decremento ou operação lógica. É possível utilizar BEQ, mesmo não se pretenda testar a igualdade pois o resultado é o memso;</a:t>
+            </a:r>
+          </a:p>
+          <a:p>
+            <a:pPr marL="357188" lvl="1" indent="-177800" algn="just" defTabSz="624078">
+              <a:lnSpc>
+                <a:spcPct val="120000"/>
+              </a:lnSpc>
+              <a:buFont typeface="Wingdings" pitchFamily="2" charset="2"/>
+              <a:buChar char="Ø"/>
+            </a:pPr>
+            <a:r>
+              <a:rPr lang="pt-BR" sz="1600" i="0" dirty="0"/>
+              <a:t>BNE</a:t>
+            </a:r>
+            <a:r>
+              <a:rPr lang="pt-BR" sz="1600" b="0" i="0" dirty="0"/>
+              <a:t>: Semelhante a BEQ mas no caso contrário (</a:t>
+            </a:r>
+            <a:r>
+              <a:rPr lang="pt-BR" sz="1600" b="0" dirty="0"/>
+              <a:t>flag</a:t>
+            </a:r>
+            <a:r>
+              <a:rPr lang="pt-BR" sz="1600" b="0" i="0" dirty="0"/>
+              <a:t> de zero com “0”). Não existe uma variante BNZ;</a:t>
+            </a:r>
+          </a:p>
+          <a:p>
+            <a:pPr marL="357188" lvl="1" indent="-177800" algn="just" defTabSz="624078">
+              <a:lnSpc>
+                <a:spcPct val="120000"/>
+              </a:lnSpc>
+              <a:buFont typeface="Wingdings" pitchFamily="2" charset="2"/>
+              <a:buChar char="Ø"/>
+            </a:pPr>
+            <a:r>
+              <a:rPr lang="pt-BR" sz="1600" i="0" dirty="0"/>
+              <a:t>BPL</a:t>
+            </a:r>
+            <a:r>
+              <a:rPr lang="pt-BR" sz="1600" b="0" i="0" dirty="0"/>
+              <a:t>: Semelhante a BEQ mas para cima na comparação (A &gt; B) (</a:t>
+            </a:r>
+            <a:r>
+              <a:rPr lang="pt-BR" sz="1600" b="0" dirty="0"/>
+              <a:t>flag</a:t>
+            </a:r>
+            <a:r>
+              <a:rPr lang="pt-BR" sz="1600" b="0" i="0" dirty="0"/>
+              <a:t> de sinal com “0”);</a:t>
+            </a:r>
+          </a:p>
+          <a:p>
+            <a:pPr marL="357188" lvl="1" indent="-177800" algn="just" defTabSz="624078">
+              <a:lnSpc>
+                <a:spcPct val="120000"/>
+              </a:lnSpc>
+              <a:buFont typeface="Wingdings" pitchFamily="2" charset="2"/>
+              <a:buChar char="Ø"/>
+            </a:pPr>
+            <a:r>
+              <a:rPr lang="pt-BR" sz="1600" i="0" dirty="0"/>
+              <a:t>BMI</a:t>
+            </a:r>
+            <a:r>
+              <a:rPr lang="pt-BR" sz="1600" b="0" i="0" dirty="0"/>
+              <a:t>: Semelhante a BPL mas para baixo na comparação (A &lt; B) (</a:t>
+            </a:r>
+            <a:r>
+              <a:rPr lang="pt-BR" sz="1600" b="0" dirty="0"/>
+              <a:t>flag</a:t>
+            </a:r>
+            <a:r>
+              <a:rPr lang="pt-BR" sz="1600" b="0" i="0" dirty="0"/>
+              <a:t> de sinal com “1”);</a:t>
+            </a:r>
+          </a:p>
+        </p:txBody>
+      </p:sp>
+    </p:spTree>
+    <p:extLst>
+      <p:ext uri="{BB962C8B-B14F-4D97-AF65-F5344CB8AC3E}">
+        <p14:creationId xmlns:p14="http://schemas.microsoft.com/office/powerpoint/2010/main" val="1483180503"/>
+      </p:ext>
+    </p:extLst>
+  </p:cSld>
+  <p:clrMapOvr>
+    <a:masterClrMapping/>
+  </p:clrMapOvr>
+  <p:timing>
+    <p:tnLst>
+      <p:par>
+        <p:cTn id="1" dur="indefinite" restart="never" nodeType="tmRoot">
+          <p:childTnLst>
+            <p:seq concurrent="1" nextAc="seek">
+              <p:cTn id="2" dur="indefinite" nodeType="mainSeq">
+                <p:childTnLst>
+                  <p:par>
+                    <p:cTn id="3" fill="hold">
+                      <p:stCondLst>
+                        <p:cond delay="indefinite"/>
+                        <p:cond evt="onBegin" delay="0">
+                          <p:tn val="2"/>
+                        </p:cond>
+                      </p:stCondLst>
+                      <p:childTnLst>
+                        <p:par>
+                          <p:cTn id="4" fill="hold">
+                            <p:stCondLst>
+                              <p:cond delay="0"/>
+                            </p:stCondLst>
+                            <p:childTnLst>
+                              <p:par>
+                                <p:cTn id="5" presetID="42" presetClass="entr" presetSubtype="0" fill="hold" grpId="0" nodeType="afterEffect">
+                                  <p:stCondLst>
+                                    <p:cond delay="0"/>
+                                  </p:stCondLst>
+                                  <p:childTnLst>
+                                    <p:set>
+                                      <p:cBhvr>
+                                        <p:cTn id="6" dur="1" fill="hold">
+                                          <p:stCondLst>
+                                            <p:cond delay="0"/>
+                                          </p:stCondLst>
+                                        </p:cTn>
+                                        <p:tgtEl>
+                                          <p:spTgt spid="20"/>
+                                        </p:tgtEl>
+                                        <p:attrNameLst>
+                                          <p:attrName>style.visibility</p:attrName>
+                                        </p:attrNameLst>
+                                      </p:cBhvr>
+                                      <p:to>
+                                        <p:strVal val="visible"/>
+                                      </p:to>
+                                    </p:set>
+                                    <p:animEffect transition="in" filter="fade">
+                                      <p:cBhvr>
+                                        <p:cTn id="7" dur="500"/>
+                                        <p:tgtEl>
+                                          <p:spTgt spid="20"/>
+                                        </p:tgtEl>
+                                      </p:cBhvr>
+                                    </p:animEffect>
+                                    <p:anim calcmode="lin" valueType="num">
+                                      <p:cBhvr>
+                                        <p:cTn id="8" dur="500" fill="hold"/>
+                                        <p:tgtEl>
+                                          <p:spTgt spid="20"/>
+                                        </p:tgtEl>
+                                        <p:attrNameLst>
+                                          <p:attrName>ppt_x</p:attrName>
+                                        </p:attrNameLst>
+                                      </p:cBhvr>
+                                      <p:tavLst>
+                                        <p:tav tm="0">
+                                          <p:val>
+                                            <p:strVal val="#ppt_x"/>
+                                          </p:val>
+                                        </p:tav>
+                                        <p:tav tm="100000">
+                                          <p:val>
+                                            <p:strVal val="#ppt_x"/>
+                                          </p:val>
+                                        </p:tav>
+                                      </p:tavLst>
+                                    </p:anim>
+                                    <p:anim calcmode="lin" valueType="num">
+                                      <p:cBhvr>
+                                        <p:cTn id="9" dur="500" fill="hold"/>
+                                        <p:tgtEl>
+                                          <p:spTgt spid="20"/>
+                                        </p:tgtEl>
+                                        <p:attrNameLst>
+                                          <p:attrName>ppt_y</p:attrName>
+                                        </p:attrNameLst>
+                                      </p:cBhvr>
+                                      <p:tavLst>
+                                        <p:tav tm="0">
+                                          <p:val>
+                                            <p:strVal val="#ppt_y+.1"/>
+                                          </p:val>
+                                        </p:tav>
+                                        <p:tav tm="100000">
+                                          <p:val>
+                                            <p:strVal val="#ppt_y"/>
+                                          </p:val>
+                                        </p:tav>
+                                      </p:tavLst>
+                                    </p:anim>
+                                  </p:childTnLst>
+                                </p:cTn>
+                              </p:par>
+                            </p:childTnLst>
+                          </p:cTn>
+                        </p:par>
+                      </p:childTnLst>
+                    </p:cTn>
+                  </p:par>
+                </p:childTnLst>
+              </p:cTn>
+              <p:prevCondLst>
+                <p:cond evt="onPrev" delay="0">
+                  <p:tgtEl>
+                    <p:sldTgt/>
+                  </p:tgtEl>
+                </p:cond>
+              </p:prevCondLst>
+              <p:nextCondLst>
+                <p:cond evt="onNext" delay="0">
+                  <p:tgtEl>
+                    <p:sldTgt/>
+                  </p:tgtEl>
+                </p:cond>
+              </p:nextCondLst>
+            </p:seq>
+          </p:childTnLst>
+        </p:cTn>
+      </p:par>
+    </p:tnLst>
+    <p:bldLst>
+      <p:bldP spid="20" grpId="0"/>
+    </p:bldLst>
+  </p:timing>
+</p:sld>
+</file>
+
+<file path=ppt/slides/slide19.xml><?xml version="1.0" encoding="utf-8"?>
+<p:sld xmlns:a="http://schemas.openxmlformats.org/drawingml/2006/main" xmlns:r="http://schemas.openxmlformats.org/officeDocument/2006/relationships" xmlns:p="http://schemas.openxmlformats.org/presentationml/2006/main">
+  <p:cSld>
+    <p:spTree>
+      <p:nvGrpSpPr>
+        <p:cNvPr id="1" name=""/>
+        <p:cNvGrpSpPr/>
+        <p:nvPr/>
+      </p:nvGrpSpPr>
+      <p:grpSpPr>
+        <a:xfrm>
+          <a:off x="0" y="0"/>
+          <a:ext cx="0" cy="0"/>
+          <a:chOff x="0" y="0"/>
+          <a:chExt cx="0" cy="0"/>
+        </a:xfrm>
+      </p:grpSpPr>
+      <p:sp>
+        <p:nvSpPr>
+          <p:cNvPr id="258050" name="Rectangle 2"/>
+          <p:cNvSpPr>
+            <a:spLocks noGrp="1" noChangeArrowheads="1"/>
+          </p:cNvSpPr>
+          <p:nvPr>
+            <p:ph type="title" idx="4294967295"/>
+          </p:nvPr>
+        </p:nvSpPr>
+        <p:spPr bwMode="auto">
+          <a:xfrm>
+            <a:off x="3006330" y="216959"/>
+            <a:ext cx="5310086" cy="420688"/>
+          </a:xfrm>
+          <a:prstGeom prst="rect">
+            <a:avLst/>
+          </a:prstGeom>
+          <a:noFill/>
+          <a:ln>
+            <a:miter lim="800000"/>
+            <a:headEnd/>
+            <a:tailEnd/>
+          </a:ln>
+        </p:spPr>
+        <p:txBody>
+          <a:bodyPr vert="horz" wrap="square" lIns="71323" tIns="35662" rIns="71323" bIns="35662" numCol="1" anchor="t" anchorCtr="0" compatLnSpc="1">
+            <a:prstTxWarp prst="textNoShape">
+              <a:avLst/>
+            </a:prstTxWarp>
+          </a:bodyPr>
+          <a:lstStyle/>
+          <a:p>
+            <a:pPr algn="r"/>
+            <a:r>
+              <a:rPr lang="pt-PT" sz="1000" b="1" i="1" dirty="0">
+                <a:solidFill>
+                  <a:srgbClr val="FF0000"/>
+                </a:solidFill>
+                <a:latin typeface="Arial" charset="0"/>
+              </a:rPr>
+              <a:t>SCO-T2-A04</a:t>
+            </a:r>
+            <a:br>
+              <a:rPr lang="pt-PT" sz="1000" b="1" i="1" dirty="0">
+                <a:solidFill>
+                  <a:srgbClr val="FF0000"/>
+                </a:solidFill>
+                <a:latin typeface="Arial" charset="0"/>
+              </a:rPr>
+            </a:br>
+            <a:r>
+              <a:rPr lang="pt-PT" sz="1800" b="1" i="1" cap="small" dirty="0">
+                <a:solidFill>
+                  <a:srgbClr val="FF0000"/>
+                </a:solidFill>
+                <a:latin typeface="Arial" charset="0"/>
+              </a:rPr>
+              <a:t>Assembler, Assembly, Código Máquina</a:t>
+            </a:r>
+            <a:endParaRPr lang="pt-PT" sz="1600" b="1" i="1" cap="small" dirty="0">
+              <a:solidFill>
+                <a:srgbClr val="FF0000"/>
+              </a:solidFill>
+              <a:latin typeface="Arial" charset="0"/>
+            </a:endParaRPr>
+          </a:p>
+        </p:txBody>
+      </p:sp>
+      <p:sp>
+        <p:nvSpPr>
+          <p:cNvPr id="20" name="Rectangle 23">
+            <a:extLst>
+              <a:ext uri="{FF2B5EF4-FFF2-40B4-BE49-F238E27FC236}">
+                <a16:creationId xmlns:a16="http://schemas.microsoft.com/office/drawing/2014/main" id="{4E8C842D-166F-4D53-BF52-24DABD48BE83}"/>
+              </a:ext>
+            </a:extLst>
+          </p:cNvPr>
+          <p:cNvSpPr>
+            <a:spLocks noChangeArrowheads="1"/>
+          </p:cNvSpPr>
+          <p:nvPr/>
+        </p:nvSpPr>
+        <p:spPr bwMode="auto">
+          <a:xfrm>
+            <a:off x="540000" y="841276"/>
+            <a:ext cx="8424488" cy="2764334"/>
+          </a:xfrm>
+          <a:prstGeom prst="rect">
+            <a:avLst/>
+          </a:prstGeom>
+          <a:noFill/>
+          <a:ln w="9525">
+            <a:noFill/>
+            <a:miter lim="800000"/>
+            <a:headEnd/>
+            <a:tailEnd/>
+          </a:ln>
+          <a:effectLst/>
+        </p:spPr>
+        <p:txBody>
+          <a:bodyPr wrap="square" lIns="62408" tIns="31204" rIns="62408" bIns="31204">
+            <a:spAutoFit/>
+          </a:bodyPr>
+          <a:lstStyle/>
+          <a:p>
+            <a:pPr algn="l" defTabSz="624078">
+              <a:lnSpc>
+                <a:spcPct val="120000"/>
+              </a:lnSpc>
+            </a:pPr>
+            <a:r>
+              <a:rPr lang="pt-BR" sz="2000" b="0" i="0" dirty="0"/>
+              <a:t>Instruções da arquitetura ARM:</a:t>
+            </a:r>
+          </a:p>
+          <a:p>
+            <a:pPr marL="357188" lvl="1" indent="-177800" algn="just" defTabSz="624078">
+              <a:lnSpc>
+                <a:spcPct val="120000"/>
+              </a:lnSpc>
+              <a:buFont typeface="Wingdings" pitchFamily="2" charset="2"/>
+              <a:buChar char="Ø"/>
+            </a:pPr>
+            <a:r>
+              <a:rPr lang="pt-BR" sz="1600" i="0" dirty="0"/>
+              <a:t>EQU</a:t>
+            </a:r>
+            <a:r>
+              <a:rPr lang="pt-BR" sz="1600" b="0" i="0" dirty="0"/>
+              <a:t> (pseudo instrução): Instrução para o </a:t>
+            </a:r>
+            <a:r>
+              <a:rPr lang="pt-BR" sz="1600" b="0" dirty="0"/>
+              <a:t>assembler</a:t>
+            </a:r>
+            <a:r>
+              <a:rPr lang="pt-BR" sz="1600" b="0" i="0" dirty="0"/>
+              <a:t>. Faz a equivalencial de um símbolo a um valor literal ou outro simbolo. Exemplo o simbolo MAXIMO é equivalente a 30: </a:t>
+            </a:r>
+            <a:r>
+              <a:rPr lang="pt-BR" sz="1600" i="0" dirty="0">
+                <a:solidFill>
+                  <a:schemeClr val="accent2"/>
+                </a:solidFill>
+                <a:latin typeface="Courier New" panose="02070309020205020404" pitchFamily="49" charset="0"/>
+                <a:cs typeface="Courier New" panose="02070309020205020404" pitchFamily="49" charset="0"/>
+              </a:rPr>
+              <a:t>MAXIMO EQU 30</a:t>
+            </a:r>
+            <a:r>
+              <a:rPr lang="pt-BR" sz="1600" b="0" i="0" dirty="0"/>
+              <a:t>. Não produz código máquina mas “mexe” na tabela de símbolos;</a:t>
+            </a:r>
+          </a:p>
+          <a:p>
+            <a:pPr marL="357188" lvl="1" indent="-177800" algn="just" defTabSz="624078">
+              <a:lnSpc>
+                <a:spcPct val="120000"/>
+              </a:lnSpc>
+              <a:buFont typeface="Wingdings" pitchFamily="2" charset="2"/>
+              <a:buChar char="Ø"/>
+            </a:pPr>
+            <a:r>
+              <a:rPr lang="pt-BR" sz="1600" i="0" dirty="0"/>
+              <a:t>DCD</a:t>
+            </a:r>
+            <a:r>
+              <a:rPr lang="pt-BR" sz="1600" b="0" i="0" dirty="0"/>
+              <a:t> (pseudo instrução): Declara um conjunto de valores na memória. Ocupa a memória com os valores indicados (1 </a:t>
+            </a:r>
+            <a:r>
+              <a:rPr lang="pt-BR" sz="1600" b="0" dirty="0"/>
+              <a:t>word</a:t>
+            </a:r>
+            <a:r>
+              <a:rPr lang="pt-BR" sz="1600" b="0" i="0" dirty="0"/>
+              <a:t> de 32bits cada) mas não produz código. “Mexe” na tabela de símbolos;</a:t>
+            </a:r>
+          </a:p>
+          <a:p>
+            <a:pPr marL="357188" lvl="1" indent="-177800" algn="just" defTabSz="624078">
+              <a:lnSpc>
+                <a:spcPct val="120000"/>
+              </a:lnSpc>
+              <a:buFont typeface="Wingdings" pitchFamily="2" charset="2"/>
+              <a:buChar char="Ø"/>
+            </a:pPr>
+            <a:r>
+              <a:rPr lang="pt-BR" sz="1600" i="0" dirty="0"/>
+              <a:t>FILL</a:t>
+            </a:r>
+            <a:r>
+              <a:rPr lang="pt-BR" sz="1600" b="0" i="0" dirty="0"/>
+              <a:t> (pseudo instrução): Reserva um bloco memória para dados utilizados no programa. Não produz código mas “mexe” na tabela de símbolos.</a:t>
+            </a:r>
+          </a:p>
+        </p:txBody>
+      </p:sp>
+    </p:spTree>
+    <p:extLst>
+      <p:ext uri="{BB962C8B-B14F-4D97-AF65-F5344CB8AC3E}">
+        <p14:creationId xmlns:p14="http://schemas.microsoft.com/office/powerpoint/2010/main" val="3676343047"/>
+      </p:ext>
+    </p:extLst>
+  </p:cSld>
+  <p:clrMapOvr>
+    <a:masterClrMapping/>
+  </p:clrMapOvr>
+  <p:timing>
+    <p:tnLst>
+      <p:par>
+        <p:cTn id="1" dur="indefinite" restart="never" nodeType="tmRoot">
+          <p:childTnLst>
+            <p:seq concurrent="1" nextAc="seek">
+              <p:cTn id="2" dur="indefinite" nodeType="mainSeq">
+                <p:childTnLst>
+                  <p:par>
+                    <p:cTn id="3" fill="hold">
+                      <p:stCondLst>
+                        <p:cond delay="indefinite"/>
+                        <p:cond evt="onBegin" delay="0">
+                          <p:tn val="2"/>
+                        </p:cond>
+                      </p:stCondLst>
+                      <p:childTnLst>
+                        <p:par>
+                          <p:cTn id="4" fill="hold">
+                            <p:stCondLst>
+                              <p:cond delay="0"/>
+                            </p:stCondLst>
+                            <p:childTnLst>
+                              <p:par>
+                                <p:cTn id="5" presetID="42" presetClass="entr" presetSubtype="0" fill="hold" grpId="0" nodeType="afterEffect">
+                                  <p:stCondLst>
+                                    <p:cond delay="0"/>
+                                  </p:stCondLst>
+                                  <p:childTnLst>
+                                    <p:set>
+                                      <p:cBhvr>
+                                        <p:cTn id="6" dur="1" fill="hold">
+                                          <p:stCondLst>
+                                            <p:cond delay="0"/>
+                                          </p:stCondLst>
+                                        </p:cTn>
+                                        <p:tgtEl>
+                                          <p:spTgt spid="20"/>
+                                        </p:tgtEl>
+                                        <p:attrNameLst>
+                                          <p:attrName>style.visibility</p:attrName>
+                                        </p:attrNameLst>
+                                      </p:cBhvr>
+                                      <p:to>
+                                        <p:strVal val="visible"/>
+                                      </p:to>
+                                    </p:set>
+                                    <p:animEffect transition="in" filter="fade">
+                                      <p:cBhvr>
+                                        <p:cTn id="7" dur="500"/>
+                                        <p:tgtEl>
+                                          <p:spTgt spid="20"/>
+                                        </p:tgtEl>
+                                      </p:cBhvr>
+                                    </p:animEffect>
+                                    <p:anim calcmode="lin" valueType="num">
+                                      <p:cBhvr>
+                                        <p:cTn id="8" dur="500" fill="hold"/>
+                                        <p:tgtEl>
+                                          <p:spTgt spid="20"/>
+                                        </p:tgtEl>
+                                        <p:attrNameLst>
+                                          <p:attrName>ppt_x</p:attrName>
+                                        </p:attrNameLst>
+                                      </p:cBhvr>
+                                      <p:tavLst>
+                                        <p:tav tm="0">
+                                          <p:val>
+                                            <p:strVal val="#ppt_x"/>
+                                          </p:val>
+                                        </p:tav>
+                                        <p:tav tm="100000">
+                                          <p:val>
+                                            <p:strVal val="#ppt_x"/>
+                                          </p:val>
+                                        </p:tav>
+                                      </p:tavLst>
+                                    </p:anim>
+                                    <p:anim calcmode="lin" valueType="num">
+                                      <p:cBhvr>
+                                        <p:cTn id="9" dur="500" fill="hold"/>
+                                        <p:tgtEl>
+                                          <p:spTgt spid="20"/>
+                                        </p:tgtEl>
+                                        <p:attrNameLst>
+                                          <p:attrName>ppt_y</p:attrName>
+                                        </p:attrNameLst>
+                                      </p:cBhvr>
+                                      <p:tavLst>
+                                        <p:tav tm="0">
+                                          <p:val>
+                                            <p:strVal val="#ppt_y+.1"/>
+                                          </p:val>
+                                        </p:tav>
+                                        <p:tav tm="100000">
+                                          <p:val>
+                                            <p:strVal val="#ppt_y"/>
+                                          </p:val>
+                                        </p:tav>
+                                      </p:tavLst>
+                                    </p:anim>
+                                  </p:childTnLst>
+                                </p:cTn>
+                              </p:par>
+                            </p:childTnLst>
+                          </p:cTn>
+                        </p:par>
+                      </p:childTnLst>
+                    </p:cTn>
+                  </p:par>
+                </p:childTnLst>
+              </p:cTn>
+              <p:prevCondLst>
+                <p:cond evt="onPrev" delay="0">
+                  <p:tgtEl>
+                    <p:sldTgt/>
+                  </p:tgtEl>
+                </p:cond>
+              </p:prevCondLst>
+              <p:nextCondLst>
+                <p:cond evt="onNext" delay="0">
+                  <p:tgtEl>
+                    <p:sldTgt/>
+                  </p:tgtEl>
+                </p:cond>
+              </p:nextCondLst>
+            </p:seq>
+          </p:childTnLst>
+        </p:cTn>
+      </p:par>
+    </p:tnLst>
+    <p:bldLst>
+      <p:bldP spid="20" grpId="0"/>
+    </p:bldLst>
+  </p:timing>
+</p:sld>
+</file>
+
+<file path=ppt/slides/slide2.xml><?xml version="1.0" encoding="utf-8"?>
+<p:sld xmlns:a="http://schemas.openxmlformats.org/drawingml/2006/main" xmlns:r="http://schemas.openxmlformats.org/officeDocument/2006/relationships" xmlns:p="http://schemas.openxmlformats.org/presentationml/2006/main">
+  <p:cSld>
+    <p:spTree>
+      <p:nvGrpSpPr>
+        <p:cNvPr id="1" name=""/>
+        <p:cNvGrpSpPr/>
+        <p:nvPr/>
+      </p:nvGrpSpPr>
+      <p:grpSpPr>
+        <a:xfrm>
+          <a:off x="0" y="0"/>
+          <a:ext cx="0" cy="0"/>
+          <a:chOff x="0" y="0"/>
+          <a:chExt cx="0" cy="0"/>
+        </a:xfrm>
+      </p:grpSpPr>
+      <p:sp>
+        <p:nvSpPr>
+          <p:cNvPr id="148482" name="Rectangle 2"/>
+          <p:cNvSpPr>
+            <a:spLocks noGrp="1" noChangeArrowheads="1"/>
+          </p:cNvSpPr>
+          <p:nvPr>
+            <p:ph type="title" idx="4294967295"/>
+          </p:nvPr>
+        </p:nvSpPr>
+        <p:spPr bwMode="auto">
+          <a:xfrm>
+            <a:off x="3006330" y="193204"/>
+            <a:ext cx="5310086" cy="432048"/>
+          </a:xfrm>
+          <a:prstGeom prst="rect">
+            <a:avLst/>
+          </a:prstGeom>
+          <a:noFill/>
+          <a:ln>
+            <a:miter lim="800000"/>
+            <a:headEnd/>
+            <a:tailEnd/>
+          </a:ln>
+        </p:spPr>
+        <p:txBody>
+          <a:bodyPr vert="horz" wrap="square" lIns="71323" tIns="35662" rIns="71323" bIns="35662" numCol="1" anchor="t" anchorCtr="0" compatLnSpc="1">
+            <a:prstTxWarp prst="textNoShape">
+              <a:avLst/>
+            </a:prstTxWarp>
+          </a:bodyPr>
+          <a:lstStyle/>
+          <a:p>
+            <a:pPr algn="r"/>
+            <a:br>
+              <a:rPr lang="pt-PT" sz="1000" b="1" i="1" dirty="0">
+                <a:solidFill>
+                  <a:srgbClr val="FF0000"/>
+                </a:solidFill>
+                <a:latin typeface="Arial" charset="0"/>
+              </a:rPr>
+            </a:br>
+            <a:r>
+              <a:rPr lang="pt-PT" sz="1800" b="1" i="1" dirty="0">
+                <a:solidFill>
+                  <a:srgbClr val="FF0000"/>
+                </a:solidFill>
+                <a:latin typeface="Arial" charset="0"/>
+              </a:rPr>
+              <a:t>A</a:t>
+            </a:r>
+            <a:r>
+              <a:rPr lang="pt-PT" sz="1600" b="1" i="1" dirty="0">
+                <a:solidFill>
+                  <a:srgbClr val="FF0000"/>
+                </a:solidFill>
+                <a:latin typeface="Arial" charset="0"/>
+              </a:rPr>
+              <a:t>LINHAMENTO</a:t>
+            </a:r>
+            <a:endParaRPr lang="pt-PT" sz="1800" b="1" i="1" dirty="0">
+              <a:solidFill>
+                <a:srgbClr val="FF0000"/>
+              </a:solidFill>
+              <a:latin typeface="Arial" charset="0"/>
+            </a:endParaRPr>
+          </a:p>
+        </p:txBody>
+      </p:sp>
+      <p:sp>
+        <p:nvSpPr>
+          <p:cNvPr id="148483" name="Rectangle 3"/>
+          <p:cNvSpPr>
+            <a:spLocks noChangeArrowheads="1"/>
+          </p:cNvSpPr>
+          <p:nvPr/>
+        </p:nvSpPr>
+        <p:spPr bwMode="auto">
+          <a:xfrm>
+            <a:off x="540000" y="841276"/>
+            <a:ext cx="8136456" cy="1656339"/>
+          </a:xfrm>
+          <a:prstGeom prst="rect">
+            <a:avLst/>
+          </a:prstGeom>
+          <a:noFill/>
+          <a:ln w="9525">
+            <a:noFill/>
+            <a:miter lim="800000"/>
+            <a:headEnd/>
+            <a:tailEnd/>
+          </a:ln>
+          <a:effectLst/>
+        </p:spPr>
+        <p:txBody>
+          <a:bodyPr wrap="square" lIns="62408" tIns="31204" rIns="62408" bIns="31204">
+            <a:spAutoFit/>
+          </a:bodyPr>
+          <a:lstStyle/>
+          <a:p>
+            <a:pPr marL="271463" indent="-271463" algn="l" defTabSz="624078">
+              <a:lnSpc>
+                <a:spcPct val="120000"/>
+              </a:lnSpc>
+              <a:buFont typeface="Wingdings" pitchFamily="2" charset="2"/>
+              <a:buChar char="Ø"/>
+            </a:pPr>
+            <a:r>
+              <a:rPr lang="pt-PT" sz="2000" i="0" dirty="0">
+                <a:solidFill>
+                  <a:srgbClr val="0033CC"/>
+                </a:solidFill>
+              </a:rPr>
+              <a:t>SCO-T1-A03</a:t>
+            </a:r>
+            <a:r>
+              <a:rPr lang="pt-PT" sz="2000" i="0" dirty="0"/>
+              <a:t>:</a:t>
+            </a:r>
+          </a:p>
+          <a:p>
+            <a:pPr marL="536575" lvl="1" indent="-184150" algn="l" defTabSz="624078">
+              <a:lnSpc>
+                <a:spcPct val="120000"/>
+              </a:lnSpc>
+              <a:buFont typeface="Wingdings" pitchFamily="2" charset="2"/>
+              <a:buChar char="Ø"/>
+            </a:pPr>
+            <a:r>
+              <a:rPr lang="pt-PT" sz="1600" b="0" i="0" dirty="0"/>
+              <a:t>Noções sobre o </a:t>
+            </a:r>
+            <a:r>
+              <a:rPr lang="pt-PT" sz="1600" b="0" dirty="0"/>
+              <a:t>Assembler</a:t>
+            </a:r>
+            <a:r>
+              <a:rPr lang="pt-PT" sz="1600" b="0" i="0" dirty="0"/>
+              <a:t>, Linguagem </a:t>
+            </a:r>
+            <a:r>
+              <a:rPr lang="pt-PT" sz="1600" b="0" dirty="0"/>
+              <a:t>Assembly</a:t>
+            </a:r>
+            <a:r>
+              <a:rPr lang="pt-PT" sz="1600" b="0" i="0" dirty="0"/>
+              <a:t> e Código Máquina;</a:t>
+            </a:r>
+          </a:p>
+          <a:p>
+            <a:pPr marL="536575" lvl="1" indent="-184150" algn="l" defTabSz="624078">
+              <a:lnSpc>
+                <a:spcPct val="120000"/>
+              </a:lnSpc>
+              <a:buFont typeface="Wingdings" pitchFamily="2" charset="2"/>
+              <a:buChar char="Ø"/>
+            </a:pPr>
+            <a:r>
+              <a:rPr lang="pt-PT" sz="1600" b="0" dirty="0"/>
+              <a:t>Instruction Set</a:t>
+            </a:r>
+            <a:r>
+              <a:rPr lang="pt-PT" sz="1600" b="0" i="0" dirty="0"/>
+              <a:t>, </a:t>
+            </a:r>
+            <a:r>
+              <a:rPr lang="pt-PT" sz="1600" b="0" dirty="0"/>
+              <a:t>Opcodes</a:t>
+            </a:r>
+            <a:r>
+              <a:rPr lang="pt-PT" sz="1600" b="0" i="0" dirty="0"/>
+              <a:t>, alinhamento.</a:t>
+            </a:r>
+          </a:p>
+          <a:p>
+            <a:pPr marL="271463" indent="-271463" algn="l" defTabSz="624078">
+              <a:lnSpc>
+                <a:spcPct val="120000"/>
+              </a:lnSpc>
+              <a:buFont typeface="Wingdings" pitchFamily="2" charset="2"/>
+              <a:buChar char="Ø"/>
+            </a:pPr>
+            <a:r>
+              <a:rPr lang="pt-PT" sz="2000" i="0" dirty="0">
+                <a:solidFill>
+                  <a:srgbClr val="0033CC"/>
+                </a:solidFill>
+              </a:rPr>
+              <a:t>SCO-T1-A04</a:t>
+            </a:r>
+            <a:r>
+              <a:rPr lang="pt-PT" sz="2000" i="0" dirty="0"/>
+              <a:t>:</a:t>
+            </a:r>
+          </a:p>
+          <a:p>
+            <a:pPr marL="536575" lvl="1" indent="-184150" algn="l" defTabSz="624078">
+              <a:lnSpc>
+                <a:spcPct val="120000"/>
+              </a:lnSpc>
+              <a:buFont typeface="Wingdings" pitchFamily="2" charset="2"/>
+              <a:buChar char="Ø"/>
+            </a:pPr>
+            <a:r>
+              <a:rPr lang="pt-PT" sz="1600" b="0" i="0" dirty="0"/>
+              <a:t>ARMv7: Instruções de base, modos de funcionamento e modelo de memória.</a:t>
+            </a:r>
+          </a:p>
+        </p:txBody>
+      </p:sp>
+    </p:spTree>
+  </p:cSld>
+  <p:clrMapOvr>
+    <a:masterClrMapping/>
+  </p:clrMapOvr>
+  <p:timing>
+    <p:tnLst>
+      <p:par>
+        <p:cTn id="1" dur="indefinite" restart="never" nodeType="tmRoot">
+          <p:childTnLst>
+            <p:seq concurrent="1" nextAc="seek">
+              <p:cTn id="2" dur="indefinite" nodeType="mainSeq">
+                <p:childTnLst>
+                  <p:par>
+                    <p:cTn id="3" fill="hold">
+                      <p:stCondLst>
+                        <p:cond delay="indefinite"/>
+                        <p:cond evt="onBegin" delay="0">
+                          <p:tn val="2"/>
+                        </p:cond>
+                      </p:stCondLst>
+                      <p:childTnLst>
+                        <p:par>
+                          <p:cTn id="4" fill="hold">
+                            <p:stCondLst>
+                              <p:cond delay="0"/>
+                            </p:stCondLst>
+                            <p:childTnLst>
+                              <p:par>
+                                <p:cTn id="5" presetID="42" presetClass="entr" presetSubtype="0" fill="hold" grpId="0" nodeType="afterEffect">
+                                  <p:stCondLst>
+                                    <p:cond delay="0"/>
+                                  </p:stCondLst>
+                                  <p:childTnLst>
+                                    <p:set>
+                                      <p:cBhvr>
+                                        <p:cTn id="6" dur="1" fill="hold">
+                                          <p:stCondLst>
+                                            <p:cond delay="0"/>
+                                          </p:stCondLst>
+                                        </p:cTn>
+                                        <p:tgtEl>
+                                          <p:spTgt spid="148483"/>
+                                        </p:tgtEl>
+                                        <p:attrNameLst>
+                                          <p:attrName>style.visibility</p:attrName>
+                                        </p:attrNameLst>
+                                      </p:cBhvr>
+                                      <p:to>
+                                        <p:strVal val="visible"/>
+                                      </p:to>
+                                    </p:set>
+                                    <p:animEffect transition="in" filter="fade">
+                                      <p:cBhvr>
+                                        <p:cTn id="7" dur="500"/>
+                                        <p:tgtEl>
+                                          <p:spTgt spid="148483"/>
+                                        </p:tgtEl>
+                                      </p:cBhvr>
+                                    </p:animEffect>
+                                    <p:anim calcmode="lin" valueType="num">
+                                      <p:cBhvr>
+                                        <p:cTn id="8" dur="500" fill="hold"/>
+                                        <p:tgtEl>
+                                          <p:spTgt spid="148483"/>
+                                        </p:tgtEl>
+                                        <p:attrNameLst>
+                                          <p:attrName>ppt_x</p:attrName>
+                                        </p:attrNameLst>
+                                      </p:cBhvr>
+                                      <p:tavLst>
+                                        <p:tav tm="0">
+                                          <p:val>
+                                            <p:strVal val="#ppt_x"/>
+                                          </p:val>
+                                        </p:tav>
+                                        <p:tav tm="100000">
+                                          <p:val>
+                                            <p:strVal val="#ppt_x"/>
+                                          </p:val>
+                                        </p:tav>
+                                      </p:tavLst>
+                                    </p:anim>
+                                    <p:anim calcmode="lin" valueType="num">
+                                      <p:cBhvr>
+                                        <p:cTn id="9" dur="500" fill="hold"/>
+                                        <p:tgtEl>
+                                          <p:spTgt spid="148483"/>
+                                        </p:tgtEl>
+                                        <p:attrNameLst>
+                                          <p:attrName>ppt_y</p:attrName>
+                                        </p:attrNameLst>
+                                      </p:cBhvr>
+                                      <p:tavLst>
+                                        <p:tav tm="0">
+                                          <p:val>
+                                            <p:strVal val="#ppt_y+.1"/>
+                                          </p:val>
+                                        </p:tav>
+                                        <p:tav tm="100000">
+                                          <p:val>
+                                            <p:strVal val="#ppt_y"/>
+                                          </p:val>
+                                        </p:tav>
+                                      </p:tavLst>
+                                    </p:anim>
+                                  </p:childTnLst>
+                                </p:cTn>
+                              </p:par>
+                            </p:childTnLst>
+                          </p:cTn>
+                        </p:par>
+                      </p:childTnLst>
+                    </p:cTn>
+                  </p:par>
+                </p:childTnLst>
+              </p:cTn>
+              <p:prevCondLst>
+                <p:cond evt="onPrev" delay="0">
+                  <p:tgtEl>
+                    <p:sldTgt/>
+                  </p:tgtEl>
+                </p:cond>
+              </p:prevCondLst>
+              <p:nextCondLst>
+                <p:cond evt="onNext" delay="0">
+                  <p:tgtEl>
+                    <p:sldTgt/>
+                  </p:tgtEl>
+                </p:cond>
+              </p:nextCondLst>
+            </p:seq>
+          </p:childTnLst>
+        </p:cTn>
+      </p:par>
+    </p:tnLst>
+    <p:bldLst>
+      <p:bldP spid="148483" grpId="0"/>
+    </p:bldLst>
+  </p:timing>
+</p:sld>
+</file>
+
+<file path=ppt/slides/slide20.xml><?xml version="1.0" encoding="utf-8"?>
+<p:sld xmlns:a="http://schemas.openxmlformats.org/drawingml/2006/main" xmlns:r="http://schemas.openxmlformats.org/officeDocument/2006/relationships" xmlns:p="http://schemas.openxmlformats.org/presentationml/2006/main">
+  <p:cSld>
+    <p:spTree>
+      <p:nvGrpSpPr>
+        <p:cNvPr id="1" name=""/>
+        <p:cNvGrpSpPr/>
+        <p:nvPr/>
+      </p:nvGrpSpPr>
+      <p:grpSpPr>
+        <a:xfrm>
+          <a:off x="0" y="0"/>
+          <a:ext cx="0" cy="0"/>
+          <a:chOff x="0" y="0"/>
+          <a:chExt cx="0" cy="0"/>
+        </a:xfrm>
+      </p:grpSpPr>
+      <p:sp>
+        <p:nvSpPr>
           <p:cNvPr id="311298" name="Rectangle 2"/>
           <p:cNvSpPr>
             <a:spLocks noGrp="1" noChangeArrowheads="1"/>
@@ -10516,17 +11704,12 @@
             </a:pPr>
             <a:r>
               <a:rPr lang="pt-PT" sz="2800" b="0" i="0" dirty="0"/>
-              <a:t>Password Geral</a:t>
-            </a:r>
-            <a:r>
-              <a:rPr lang="pt-PT" sz="2800" b="0" i="0"/>
-              <a:t>: </a:t>
-            </a:r>
-            <a:r>
-              <a:rPr lang="pt-PT" sz="2800" i="0"/>
+              <a:t>Password Geral: </a:t>
+            </a:r>
+            <a:r>
+              <a:rPr lang="pt-PT" sz="2800" i="0" dirty="0"/>
               <a:t>sc2122</a:t>
             </a:r>
-            <a:endParaRPr lang="pt-PT" sz="2800" i="0" dirty="0"/>
           </a:p>
           <a:p>
             <a:pPr marL="357188" lvl="1" indent="-177800" algn="l" defTabSz="704085">
@@ -10787,376 +11970,6 @@
     </p:tnLst>
     <p:bldLst>
       <p:bldP spid="5" grpId="0"/>
-    </p:bldLst>
-  </p:timing>
-</p:sld>
-</file>
-
-<file path=ppt/slides/slide2.xml><?xml version="1.0" encoding="utf-8"?>
-<p:sld xmlns:a="http://schemas.openxmlformats.org/drawingml/2006/main" xmlns:r="http://schemas.openxmlformats.org/officeDocument/2006/relationships" xmlns:p="http://schemas.openxmlformats.org/presentationml/2006/main">
-  <p:cSld>
-    <p:spTree>
-      <p:nvGrpSpPr>
-        <p:cNvPr id="1" name=""/>
-        <p:cNvGrpSpPr/>
-        <p:nvPr/>
-      </p:nvGrpSpPr>
-      <p:grpSpPr>
-        <a:xfrm>
-          <a:off x="0" y="0"/>
-          <a:ext cx="0" cy="0"/>
-          <a:chOff x="0" y="0"/>
-          <a:chExt cx="0" cy="0"/>
-        </a:xfrm>
-      </p:grpSpPr>
-      <p:sp>
-        <p:nvSpPr>
-          <p:cNvPr id="148482" name="Rectangle 2"/>
-          <p:cNvSpPr>
-            <a:spLocks noGrp="1" noChangeArrowheads="1"/>
-          </p:cNvSpPr>
-          <p:nvPr>
-            <p:ph type="title" idx="4294967295"/>
-          </p:nvPr>
-        </p:nvSpPr>
-        <p:spPr bwMode="auto">
-          <a:xfrm>
-            <a:off x="3006330" y="193204"/>
-            <a:ext cx="5310086" cy="432048"/>
-          </a:xfrm>
-          <a:prstGeom prst="rect">
-            <a:avLst/>
-          </a:prstGeom>
-          <a:noFill/>
-          <a:ln>
-            <a:miter lim="800000"/>
-            <a:headEnd/>
-            <a:tailEnd/>
-          </a:ln>
-        </p:spPr>
-        <p:txBody>
-          <a:bodyPr vert="horz" wrap="square" lIns="71323" tIns="35662" rIns="71323" bIns="35662" numCol="1" anchor="t" anchorCtr="0" compatLnSpc="1">
-            <a:prstTxWarp prst="textNoShape">
-              <a:avLst/>
-            </a:prstTxWarp>
-          </a:bodyPr>
-          <a:lstStyle/>
-          <a:p>
-            <a:pPr algn="r"/>
-            <a:br>
-              <a:rPr lang="pt-PT" sz="1000" b="1" i="1" dirty="0">
-                <a:solidFill>
-                  <a:srgbClr val="FF0000"/>
-                </a:solidFill>
-                <a:latin typeface="Arial" charset="0"/>
-              </a:rPr>
-            </a:br>
-            <a:r>
-              <a:rPr lang="pt-PT" sz="1800" b="1" i="1" dirty="0">
-                <a:solidFill>
-                  <a:srgbClr val="FF0000"/>
-                </a:solidFill>
-                <a:latin typeface="Arial" charset="0"/>
-              </a:rPr>
-              <a:t>A</a:t>
-            </a:r>
-            <a:r>
-              <a:rPr lang="pt-PT" sz="1600" b="1" i="1" dirty="0">
-                <a:solidFill>
-                  <a:srgbClr val="FF0000"/>
-                </a:solidFill>
-                <a:latin typeface="Arial" charset="0"/>
-              </a:rPr>
-              <a:t>LINHAMENTO</a:t>
-            </a:r>
-            <a:endParaRPr lang="pt-PT" sz="1800" b="1" i="1" dirty="0">
-              <a:solidFill>
-                <a:srgbClr val="FF0000"/>
-              </a:solidFill>
-              <a:latin typeface="Arial" charset="0"/>
-            </a:endParaRPr>
-          </a:p>
-        </p:txBody>
-      </p:sp>
-      <p:sp>
-        <p:nvSpPr>
-          <p:cNvPr id="148483" name="Rectangle 3"/>
-          <p:cNvSpPr>
-            <a:spLocks noChangeArrowheads="1"/>
-          </p:cNvSpPr>
-          <p:nvPr/>
-        </p:nvSpPr>
-        <p:spPr bwMode="auto">
-          <a:xfrm>
-            <a:off x="540000" y="841276"/>
-            <a:ext cx="8136456" cy="1656339"/>
-          </a:xfrm>
-          <a:prstGeom prst="rect">
-            <a:avLst/>
-          </a:prstGeom>
-          <a:noFill/>
-          <a:ln w="9525">
-            <a:noFill/>
-            <a:miter lim="800000"/>
-            <a:headEnd/>
-            <a:tailEnd/>
-          </a:ln>
-          <a:effectLst/>
-        </p:spPr>
-        <p:txBody>
-          <a:bodyPr wrap="square" lIns="62408" tIns="31204" rIns="62408" bIns="31204">
-            <a:spAutoFit/>
-          </a:bodyPr>
-          <a:lstStyle/>
-          <a:p>
-            <a:pPr marL="271463" indent="-271463" algn="l" defTabSz="624078">
-              <a:lnSpc>
-                <a:spcPct val="120000"/>
-              </a:lnSpc>
-              <a:buFont typeface="Wingdings" pitchFamily="2" charset="2"/>
-              <a:buChar char="Ø"/>
-            </a:pPr>
-            <a:r>
-              <a:rPr lang="pt-PT" sz="2000" i="0" dirty="0">
-                <a:solidFill>
-                  <a:srgbClr val="0033CC"/>
-                </a:solidFill>
-              </a:rPr>
-              <a:t>SCO-T1-A03</a:t>
-            </a:r>
-            <a:r>
-              <a:rPr lang="pt-PT" sz="2000" i="0" dirty="0"/>
-              <a:t>:</a:t>
-            </a:r>
-          </a:p>
-          <a:p>
-            <a:pPr marL="536575" lvl="1" indent="-184150" algn="l" defTabSz="624078">
-              <a:lnSpc>
-                <a:spcPct val="120000"/>
-              </a:lnSpc>
-              <a:buFont typeface="Wingdings" pitchFamily="2" charset="2"/>
-              <a:buChar char="Ø"/>
-            </a:pPr>
-            <a:r>
-              <a:rPr lang="pt-PT" sz="1600" b="0" i="0" dirty="0"/>
-              <a:t>Noções sobre o </a:t>
-            </a:r>
-            <a:r>
-              <a:rPr lang="pt-PT" sz="1600" b="0" dirty="0"/>
-              <a:t>Assembler</a:t>
-            </a:r>
-            <a:r>
-              <a:rPr lang="pt-PT" sz="1600" b="0" i="0" dirty="0"/>
-              <a:t>, Linguagem </a:t>
-            </a:r>
-            <a:r>
-              <a:rPr lang="pt-PT" sz="1600" b="0" dirty="0"/>
-              <a:t>Assembly</a:t>
-            </a:r>
-            <a:r>
-              <a:rPr lang="pt-PT" sz="1600" b="0" i="0" dirty="0"/>
-              <a:t> e Código Máquina;</a:t>
-            </a:r>
-          </a:p>
-          <a:p>
-            <a:pPr marL="536575" lvl="1" indent="-184150" algn="l" defTabSz="624078">
-              <a:lnSpc>
-                <a:spcPct val="120000"/>
-              </a:lnSpc>
-              <a:buFont typeface="Wingdings" pitchFamily="2" charset="2"/>
-              <a:buChar char="Ø"/>
-            </a:pPr>
-            <a:r>
-              <a:rPr lang="pt-PT" sz="1600" b="0" dirty="0"/>
-              <a:t>Instruction Set</a:t>
-            </a:r>
-            <a:r>
-              <a:rPr lang="pt-PT" sz="1600" b="0" i="0" dirty="0"/>
-              <a:t>, </a:t>
-            </a:r>
-            <a:r>
-              <a:rPr lang="pt-PT" sz="1600" b="0" dirty="0"/>
-              <a:t>Opcodes</a:t>
-            </a:r>
-            <a:r>
-              <a:rPr lang="pt-PT" sz="1600" b="0" i="0" dirty="0"/>
-              <a:t>, alinhamento.</a:t>
-            </a:r>
-          </a:p>
-          <a:p>
-            <a:pPr marL="271463" indent="-271463" algn="l" defTabSz="624078">
-              <a:lnSpc>
-                <a:spcPct val="120000"/>
-              </a:lnSpc>
-              <a:buFont typeface="Wingdings" pitchFamily="2" charset="2"/>
-              <a:buChar char="Ø"/>
-            </a:pPr>
-            <a:r>
-              <a:rPr lang="pt-PT" sz="2000" i="0" dirty="0">
-                <a:solidFill>
-                  <a:srgbClr val="0033CC"/>
-                </a:solidFill>
-              </a:rPr>
-              <a:t>SCO-T1-A04</a:t>
-            </a:r>
-            <a:r>
-              <a:rPr lang="pt-PT" sz="2000" i="0" dirty="0"/>
-              <a:t>:</a:t>
-            </a:r>
-          </a:p>
-          <a:p>
-            <a:pPr marL="536575" lvl="1" indent="-184150" algn="l" defTabSz="624078">
-              <a:lnSpc>
-                <a:spcPct val="120000"/>
-              </a:lnSpc>
-              <a:buFont typeface="Wingdings" pitchFamily="2" charset="2"/>
-              <a:buChar char="Ø"/>
-            </a:pPr>
-            <a:r>
-              <a:rPr lang="pt-PT" sz="1600" b="0" i="0" dirty="0"/>
-              <a:t>ARMv7: Instruções de base, modos de funcionamento e modelo de memória.</a:t>
-            </a:r>
-          </a:p>
-        </p:txBody>
-      </p:sp>
-    </p:spTree>
-  </p:cSld>
-  <p:clrMapOvr>
-    <a:masterClrMapping/>
-  </p:clrMapOvr>
-  <p:timing>
-    <p:tnLst>
-      <p:par>
-        <p:cTn id="1" dur="indefinite" restart="never" nodeType="tmRoot">
-          <p:childTnLst>
-            <p:seq concurrent="1" nextAc="seek">
-              <p:cTn id="2" dur="indefinite" nodeType="mainSeq">
-                <p:childTnLst>
-                  <p:par>
-                    <p:cTn id="3" fill="hold">
-                      <p:stCondLst>
-                        <p:cond delay="indefinite"/>
-                        <p:cond evt="onBegin" delay="0">
-                          <p:tn val="2"/>
-                        </p:cond>
-                      </p:stCondLst>
-                      <p:childTnLst>
-                        <p:par>
-                          <p:cTn id="4" fill="hold">
-                            <p:stCondLst>
-                              <p:cond delay="0"/>
-                            </p:stCondLst>
-                            <p:childTnLst>
-                              <p:par>
-                                <p:cTn id="5" presetID="42" presetClass="entr" presetSubtype="0" fill="hold" grpId="0" nodeType="afterEffect">
-                                  <p:stCondLst>
-                                    <p:cond delay="0"/>
-                                  </p:stCondLst>
-                                  <p:childTnLst>
-                                    <p:set>
-                                      <p:cBhvr>
-                                        <p:cTn id="6" dur="1" fill="hold">
-                                          <p:stCondLst>
-                                            <p:cond delay="0"/>
-                                          </p:stCondLst>
-                                        </p:cTn>
-                                        <p:tgtEl>
-                                          <p:spTgt spid="148483"/>
-                                        </p:tgtEl>
-                                        <p:attrNameLst>
-                                          <p:attrName>style.visibility</p:attrName>
-                                        </p:attrNameLst>
-                                      </p:cBhvr>
-                                      <p:to>
-                                        <p:strVal val="visible"/>
-                                      </p:to>
-                                    </p:set>
-                                    <p:animEffect transition="in" filter="fade">
-                                      <p:cBhvr>
-                                        <p:cTn id="7" dur="500"/>
-                                        <p:tgtEl>
-                                          <p:spTgt spid="148483"/>
-                                        </p:tgtEl>
-                                      </p:cBhvr>
-                                    </p:animEffect>
-                                    <p:anim calcmode="lin" valueType="num">
-                                      <p:cBhvr>
-                                        <p:cTn id="8" dur="500" fill="hold"/>
-                                        <p:tgtEl>
-                                          <p:spTgt spid="148483"/>
-                                        </p:tgtEl>
-                                        <p:attrNameLst>
-                                          <p:attrName>ppt_x</p:attrName>
-                                        </p:attrNameLst>
-                                      </p:cBhvr>
-                                      <p:tavLst>
-                                        <p:tav tm="0">
-                                          <p:val>
-                                            <p:strVal val="#ppt_x"/>
-                                          </p:val>
-                                        </p:tav>
-                                        <p:tav tm="100000">
-                                          <p:val>
-                                            <p:strVal val="#ppt_x"/>
-                                          </p:val>
-                                        </p:tav>
-                                      </p:tavLst>
-                                    </p:anim>
-                                    <p:anim calcmode="lin" valueType="num">
-                                      <p:cBhvr>
-                                        <p:cTn id="9" dur="500" fill="hold"/>
-                                        <p:tgtEl>
-                                          <p:spTgt spid="148483"/>
-                                        </p:tgtEl>
-                                        <p:attrNameLst>
-                                          <p:attrName>ppt_y</p:attrName>
-                                        </p:attrNameLst>
-                                      </p:cBhvr>
-                                      <p:tavLst>
-                                        <p:tav tm="0">
-                                          <p:val>
-                                            <p:strVal val="#ppt_y+.1"/>
-                                          </p:val>
-                                        </p:tav>
-                                        <p:tav tm="100000">
-                                          <p:val>
-                                            <p:strVal val="#ppt_y"/>
-                                          </p:val>
-                                        </p:tav>
-                                      </p:tavLst>
-                                    </p:anim>
-                                  </p:childTnLst>
-                                </p:cTn>
-                              </p:par>
-                            </p:childTnLst>
-                          </p:cTn>
-                        </p:par>
-                      </p:childTnLst>
-                    </p:cTn>
-                  </p:par>
-                </p:childTnLst>
-              </p:cTn>
-              <p:prevCondLst>
-                <p:cond evt="onPrev" delay="0">
-                  <p:tgtEl>
-                    <p:sldTgt/>
-                  </p:tgtEl>
-                </p:cond>
-              </p:prevCondLst>
-              <p:nextCondLst>
-                <p:cond evt="onNext" delay="0">
-                  <p:tgtEl>
-                    <p:sldTgt/>
-                  </p:tgtEl>
-                </p:cond>
-              </p:nextCondLst>
-            </p:seq>
-          </p:childTnLst>
-        </p:cTn>
-      </p:par>
-    </p:tnLst>
-    <p:bldLst>
-      <p:bldP spid="148483" grpId="0"/>
     </p:bldLst>
   </p:timing>
 </p:sld>
@@ -13468,7 +14281,7 @@
             </a:pPr>
             <a:r>
               <a:rPr lang="pt-BR" sz="1600" b="0" i="0" dirty="0"/>
-              <a:t>A instrução pode ser decomposta em muiltiplos campos (ARMv7 32bit/4Bytes fixa);</a:t>
+              <a:t>A instrução pode ser decomposta em muiltiplos campos (ARMv7 32 bit/4 Byte fixa);</a:t>
             </a:r>
           </a:p>
         </p:txBody>
@@ -13567,7 +14380,7 @@
             </a:pPr>
             <a:r>
               <a:rPr lang="pt-BR" sz="1600" b="0" i="0" dirty="0"/>
-              <a:t>Comprimento no x86 pode ser de 1 a 15Bytes [1].</a:t>
+              <a:t>Comprimento no x86 pode ser de 1 a 15 Byte [1].</a:t>
             </a:r>
           </a:p>
         </p:txBody>
@@ -14491,7 +15304,7 @@
         <p:spPr bwMode="auto">
           <a:xfrm>
             <a:off x="540000" y="841276"/>
-            <a:ext cx="8424488" cy="3059800"/>
+            <a:ext cx="8424488" cy="1287007"/>
           </a:xfrm>
           <a:prstGeom prst="rect">
             <a:avLst/>
@@ -14531,61 +15344,101 @@
             </a:pPr>
             <a:r>
               <a:rPr lang="pt-BR" sz="1600" b="0" i="0" dirty="0"/>
-              <a:t>Integrado: Neste modelo os dados e as instruções partilham o mesmo espaço. É fácíl de implementar e por isso pode ser utilizado em sistemas computacionais mais simples, no entanto não uma boa solução para programas mais complexos;</a:t>
-            </a:r>
-          </a:p>
-          <a:p>
-            <a:pPr marL="357188" lvl="1" indent="-177800" algn="just" defTabSz="624078">
-              <a:lnSpc>
-                <a:spcPct val="120000"/>
-              </a:lnSpc>
-              <a:buFont typeface="Wingdings" pitchFamily="2" charset="2"/>
-              <a:buChar char="Ø"/>
-            </a:pPr>
-            <a:r>
-              <a:rPr lang="pt-BR" sz="1600" b="0" i="0" dirty="0"/>
-              <a:t>Zonas distintas: Os dados e as instruções são colocadas em zonas distintas/separadas. É uma melhor solução para grandes projectos mas também imposta por alguns sistemas/plataformas como o </a:t>
-            </a:r>
-            <a:r>
-              <a:rPr lang="pt-BR" sz="1600" i="0" dirty="0"/>
-              <a:t>VisUAL</a:t>
-            </a:r>
-            <a:r>
-              <a:rPr lang="pt-BR" sz="1600" b="0" i="0" dirty="0"/>
-              <a:t> (ver código anterior no </a:t>
-            </a:r>
-            <a:r>
-              <a:rPr lang="pt-BR" sz="1600" b="0" dirty="0"/>
-              <a:t>slide </a:t>
-            </a:r>
-            <a:r>
-              <a:rPr lang="pt-BR" sz="1600" b="0" i="0" dirty="0"/>
-              <a:t>4);</a:t>
-            </a:r>
-          </a:p>
-          <a:p>
-            <a:pPr marL="357188" lvl="1" indent="-177800" algn="just" defTabSz="624078">
-              <a:lnSpc>
-                <a:spcPct val="120000"/>
-              </a:lnSpc>
-              <a:buFont typeface="Wingdings" pitchFamily="2" charset="2"/>
-              <a:buChar char="Ø"/>
-            </a:pPr>
-            <a:r>
-              <a:rPr lang="pt-BR" sz="1600" b="0" i="0" dirty="0"/>
-              <a:t>Segmentos: Em sistemas modernos e com suporte do CPU, as instruções e dados são separados completemente. Mais informação sobre esta organização será </a:t>
-            </a:r>
-            <a:r>
-              <a:rPr lang="pt-PT" sz="1600" b="0" i="0" dirty="0"/>
-              <a:t>apresentada</a:t>
-            </a:r>
-            <a:r>
-              <a:rPr lang="pt-BR" sz="1600" b="0" i="0" dirty="0"/>
-              <a:t> em aulas subsequentes bem como noutras UCs.</a:t>
+              <a:t>Numa visão geral a memória é uma matriz (vetor) de “caixas” de um byte de dimensão / capacidade, idenficadas pela sua ordem (endereço / índice / posição) desde de 0 a um valor máximo de memória (e.g. 8kiB, 64kiB, 4GiB. 129GiB, todos -1):</a:t>
             </a:r>
           </a:p>
         </p:txBody>
       </p:sp>
+      <p:pic>
+        <p:nvPicPr>
+          <p:cNvPr id="7" name="Picture 6">
+            <a:extLst>
+              <a:ext uri="{FF2B5EF4-FFF2-40B4-BE49-F238E27FC236}">
+                <a16:creationId xmlns:a16="http://schemas.microsoft.com/office/drawing/2014/main" id="{CA3504EF-B559-45B8-A67C-22C954B5E9B0}"/>
+              </a:ext>
+            </a:extLst>
+          </p:cNvPr>
+          <p:cNvPicPr>
+            <a:picLocks noChangeAspect="1"/>
+          </p:cNvPicPr>
+          <p:nvPr/>
+        </p:nvPicPr>
+        <p:blipFill>
+          <a:blip r:embed="rId3"/>
+          <a:stretch>
+            <a:fillRect/>
+          </a:stretch>
+        </p:blipFill>
+        <p:spPr>
+          <a:xfrm>
+            <a:off x="3006330" y="2281436"/>
+            <a:ext cx="5629275" cy="904875"/>
+          </a:xfrm>
+          <a:prstGeom prst="rect">
+            <a:avLst/>
+          </a:prstGeom>
+        </p:spPr>
+      </p:pic>
+      <p:pic>
+        <p:nvPicPr>
+          <p:cNvPr id="9" name="Picture 8">
+            <a:extLst>
+              <a:ext uri="{FF2B5EF4-FFF2-40B4-BE49-F238E27FC236}">
+                <a16:creationId xmlns:a16="http://schemas.microsoft.com/office/drawing/2014/main" id="{471B538D-91A0-4516-A762-EF292D041640}"/>
+              </a:ext>
+            </a:extLst>
+          </p:cNvPr>
+          <p:cNvPicPr>
+            <a:picLocks noChangeAspect="1"/>
+          </p:cNvPicPr>
+          <p:nvPr/>
+        </p:nvPicPr>
+        <p:blipFill>
+          <a:blip r:embed="rId4"/>
+          <a:stretch>
+            <a:fillRect/>
+          </a:stretch>
+        </p:blipFill>
+        <p:spPr>
+          <a:xfrm>
+            <a:off x="3995936" y="3986096"/>
+            <a:ext cx="4610100" cy="904875"/>
+          </a:xfrm>
+          <a:prstGeom prst="rect">
+            <a:avLst/>
+          </a:prstGeom>
+        </p:spPr>
+      </p:pic>
+      <p:pic>
+        <p:nvPicPr>
+          <p:cNvPr id="11" name="Picture 10">
+            <a:extLst>
+              <a:ext uri="{FF2B5EF4-FFF2-40B4-BE49-F238E27FC236}">
+                <a16:creationId xmlns:a16="http://schemas.microsoft.com/office/drawing/2014/main" id="{1919E87C-B16F-4FD7-98E0-D7466789DDDB}"/>
+              </a:ext>
+            </a:extLst>
+          </p:cNvPr>
+          <p:cNvPicPr>
+            <a:picLocks noChangeAspect="1"/>
+          </p:cNvPicPr>
+          <p:nvPr/>
+        </p:nvPicPr>
+        <p:blipFill>
+          <a:blip r:embed="rId5"/>
+          <a:stretch>
+            <a:fillRect/>
+          </a:stretch>
+        </p:blipFill>
+        <p:spPr>
+          <a:xfrm>
+            <a:off x="755576" y="2991627"/>
+            <a:ext cx="2609850" cy="1905000"/>
+          </a:xfrm>
+          <a:prstGeom prst="rect">
+            <a:avLst/>
+          </a:prstGeom>
+        </p:spPr>
+      </p:pic>
     </p:spTree>
     <p:extLst>
       <p:ext uri="{BB962C8B-B14F-4D97-AF65-F5344CB8AC3E}">
@@ -14697,6 +15550,129 @@
                                         </p:tav>
                                       </p:tavLst>
                                     </p:anim>
+                                  </p:childTnLst>
+                                </p:cTn>
+                              </p:par>
+                              <p:par>
+                                <p:cTn id="10" presetID="9" presetClass="entr" presetSubtype="0" fill="hold" nodeType="withEffect">
+                                  <p:stCondLst>
+                                    <p:cond delay="0"/>
+                                  </p:stCondLst>
+                                  <p:childTnLst>
+                                    <p:set>
+                                      <p:cBhvr>
+                                        <p:cTn id="11" dur="1" fill="hold">
+                                          <p:stCondLst>
+                                            <p:cond delay="0"/>
+                                          </p:stCondLst>
+                                        </p:cTn>
+                                        <p:tgtEl>
+                                          <p:spTgt spid="7"/>
+                                        </p:tgtEl>
+                                        <p:attrNameLst>
+                                          <p:attrName>style.visibility</p:attrName>
+                                        </p:attrNameLst>
+                                      </p:cBhvr>
+                                      <p:to>
+                                        <p:strVal val="visible"/>
+                                      </p:to>
+                                    </p:set>
+                                    <p:animEffect transition="in" filter="dissolve">
+                                      <p:cBhvr>
+                                        <p:cTn id="12" dur="500"/>
+                                        <p:tgtEl>
+                                          <p:spTgt spid="7"/>
+                                        </p:tgtEl>
+                                      </p:cBhvr>
+                                    </p:animEffect>
+                                  </p:childTnLst>
+                                </p:cTn>
+                              </p:par>
+                            </p:childTnLst>
+                          </p:cTn>
+                        </p:par>
+                        <p:par>
+                          <p:cTn id="13" fill="hold">
+                            <p:stCondLst>
+                              <p:cond delay="500"/>
+                            </p:stCondLst>
+                            <p:childTnLst>
+                              <p:par>
+                                <p:cTn id="14" presetID="9" presetClass="entr" presetSubtype="0" fill="hold" nodeType="afterEffect">
+                                  <p:stCondLst>
+                                    <p:cond delay="0"/>
+                                  </p:stCondLst>
+                                  <p:childTnLst>
+                                    <p:set>
+                                      <p:cBhvr>
+                                        <p:cTn id="15" dur="1" fill="hold">
+                                          <p:stCondLst>
+                                            <p:cond delay="0"/>
+                                          </p:stCondLst>
+                                        </p:cTn>
+                                        <p:tgtEl>
+                                          <p:spTgt spid="11"/>
+                                        </p:tgtEl>
+                                        <p:attrNameLst>
+                                          <p:attrName>style.visibility</p:attrName>
+                                        </p:attrNameLst>
+                                      </p:cBhvr>
+                                      <p:to>
+                                        <p:strVal val="visible"/>
+                                      </p:to>
+                                    </p:set>
+                                    <p:animEffect transition="in" filter="dissolve">
+                                      <p:cBhvr>
+                                        <p:cTn id="16" dur="500"/>
+                                        <p:tgtEl>
+                                          <p:spTgt spid="11"/>
+                                        </p:tgtEl>
+                                      </p:cBhvr>
+                                    </p:animEffect>
+                                  </p:childTnLst>
+                                </p:cTn>
+                              </p:par>
+                            </p:childTnLst>
+                          </p:cTn>
+                        </p:par>
+                        <p:par>
+                          <p:cTn id="17" fill="hold">
+                            <p:stCondLst>
+                              <p:cond delay="1000"/>
+                            </p:stCondLst>
+                            <p:childTnLst>
+                              <p:par>
+                                <p:cTn id="18" presetID="9" presetClass="entr" presetSubtype="0" fill="hold" nodeType="afterEffect">
+                                  <p:stCondLst>
+                                    <p:cond delay="0"/>
+                                  </p:stCondLst>
+                                  <p:childTnLst>
+                                    <p:set>
+                                      <p:cBhvr>
+                                        <p:cTn id="19" dur="1" fill="hold">
+                                          <p:stCondLst>
+                                            <p:cond delay="0"/>
+                                          </p:stCondLst>
+                                        </p:cTn>
+                                        <p:tgtEl>
+                                          <p:spTgt spid="9"/>
+                                        </p:tgtEl>
+                                        <p:attrNameLst>
+                                          <p:attrName>style.visibility</p:attrName>
+                                        </p:attrNameLst>
+                                      </p:cBhvr>
+                                      <p:to>
+                                        <p:strVal val="visible"/>
+                                      </p:to>
+                                    </p:set>
+                                    <p:animEffect transition="in" filter="dissolve">
+                                      <p:cBhvr>
+                                        <p:cTn id="20" dur="500"/>
+                                        <p:tgtEl>
+                                          <p:spTgt spid="9"/>
+                                        </p:tgtEl>
+                                      </p:cBhvr>
+                                    </p:animEffect>
                                   </p:childTnLst>
                                 </p:cTn>
                               </p:par>

--- a/aulas/t/old/SCO-T1-A03-A04.pptx
+++ b/aulas/t/old/SCO-T1-A03-A04.pptx
@@ -7380,7 +7380,7 @@
             </a:pPr>
             <a:r>
               <a:rPr lang="pt-BR" sz="1600" b="0" i="0" dirty="0"/>
-              <a:t>Word (palavra): Dimensão em bits que o CPU usa internamente na representação dos dadqs. Arquiteturas de 8, 16, 32 ou 64 bit;</a:t>
+              <a:t>Word (palavra): Dimensão em bits que o CPU usa internamente na representação dos dados. Arquiteturas de 8, 16, 32 ou 64 bit;</a:t>
             </a:r>
           </a:p>
           <a:p>
@@ -11732,9 +11732,10 @@
               <a:t>: </a:t>
             </a:r>
             <a:r>
-              <a:rPr lang="pt-PT" sz="2800" i="0" dirty="0"/>
-              <a:t>arm</a:t>
-            </a:r>
+              <a:rPr lang="pt-PT" sz="2800" i="0" dirty="0" err="1"/>
+              <a:t>asm</a:t>
+            </a:r>
+            <a:endParaRPr lang="pt-PT" sz="2800" i="0" dirty="0"/>
           </a:p>
           <a:p>
             <a:pPr marL="450850" lvl="1" indent="-271463" algn="l" defTabSz="704085">
@@ -11767,15 +11768,23 @@
             </a:r>
             <a:r>
               <a:rPr lang="pt-PT" sz="2000" i="0" dirty="0"/>
-              <a:t>16h de quinta 24 de março </a:t>
+              <a:t>18h de quinta 24 de março </a:t>
             </a:r>
             <a:r>
               <a:rPr lang="pt-PT" sz="2000" b="0" i="0" dirty="0"/>
-              <a:t>até às </a:t>
+              <a:t>até </a:t>
+            </a:r>
+            <a:r>
+              <a:rPr lang="pt-PT" sz="2000" b="0" i="0"/>
+              <a:t>às </a:t>
+            </a:r>
+            <a:r>
+              <a:rPr lang="pt-PT" sz="2000" i="0"/>
+              <a:t>23h59 </a:t>
             </a:r>
             <a:r>
               <a:rPr lang="pt-PT" sz="2000" i="0" dirty="0"/>
-              <a:t>23h59 de sexta, 25 de março</a:t>
+              <a:t>de sexta, 25 de março</a:t>
             </a:r>
             <a:r>
               <a:rPr lang="pt-PT" sz="2000" b="0" i="0" dirty="0"/>
